--- a/Презентация Проекта.pptx
+++ b/Презентация Проекта.pptx
@@ -6,6 +6,9 @@
   </p:sldMasterIdLst>
   <p:sldIdLst>
     <p:sldId id="256" r:id="rId2"/>
+    <p:sldId id="257" r:id="rId3"/>
+    <p:sldId id="258" r:id="rId4"/>
+    <p:sldId id="259" r:id="rId5"/>
   </p:sldIdLst>
   <p:sldSz cx="12192000" cy="6858000"/>
   <p:notesSz cx="6858000" cy="9144000"/>
@@ -104,6 +107,11 @@
       </a:defRPr>
     </a:lvl9pPr>
   </p:defaultTextStyle>
+  <p:extLst>
+    <p:ext uri="{EFAFB233-063F-42B5-8137-9DF3F51BA10A}">
+      <p15:sldGuideLst xmlns:p15="http://schemas.microsoft.com/office/powerpoint/2012/main"/>
+    </p:ext>
+  </p:extLst>
 </p:presentation>
 </file>
 
@@ -157,7 +165,7 @@
           <a:noFill/>
           <a:extLst>
             <a:ext uri="{909E8E84-426E-40dd-AFC4-6F175D3DCCD1}">
-              <a14:hiddenFill xmlns:a14="http://schemas.microsoft.com/office/drawing/2010/main" xmlns="">
+              <a14:hiddenFill xmlns="" xmlns:a14="http://schemas.microsoft.com/office/drawing/2010/main">
                 <a:solidFill>
                   <a:srgbClr val="FFFFFF"/>
                 </a:solidFill>
@@ -217,7 +225,7 @@
             </a:ln>
             <a:extLst>
               <a:ext uri="{91240B29-F687-4f45-9708-019B960494DF}">
-                <a14:hiddenLine xmlns:a14="http://schemas.microsoft.com/office/drawing/2010/main" xmlns="" w="9525">
+                <a14:hiddenLine xmlns="" xmlns:a14="http://schemas.microsoft.com/office/drawing/2010/main" w="9525">
                   <a:solidFill>
                     <a:srgbClr val="000000"/>
                   </a:solidFill>
@@ -307,7 +315,7 @@
             </a:ln>
             <a:extLst>
               <a:ext uri="{91240B29-F687-4f45-9708-019B960494DF}">
-                <a14:hiddenLine xmlns:a14="http://schemas.microsoft.com/office/drawing/2010/main" xmlns="" w="9525">
+                <a14:hiddenLine xmlns="" xmlns:a14="http://schemas.microsoft.com/office/drawing/2010/main" w="9525">
                   <a:solidFill>
                     <a:srgbClr val="000000"/>
                   </a:solidFill>
@@ -397,7 +405,7 @@
             </a:ln>
             <a:extLst>
               <a:ext uri="{91240B29-F687-4f45-9708-019B960494DF}">
-                <a14:hiddenLine xmlns:a14="http://schemas.microsoft.com/office/drawing/2010/main" xmlns="" w="9525">
+                <a14:hiddenLine xmlns="" xmlns:a14="http://schemas.microsoft.com/office/drawing/2010/main" w="9525">
                   <a:solidFill>
                     <a:srgbClr val="000000"/>
                   </a:solidFill>
@@ -431,7 +439,7 @@
             </a:ln>
             <a:extLst>
               <a:ext uri="{91240B29-F687-4f45-9708-019B960494DF}">
-                <a14:hiddenLine xmlns:a14="http://schemas.microsoft.com/office/drawing/2010/main" xmlns="" w="9525">
+                <a14:hiddenLine xmlns="" xmlns:a14="http://schemas.microsoft.com/office/drawing/2010/main" w="9525">
                   <a:solidFill>
                     <a:srgbClr val="000000"/>
                   </a:solidFill>
@@ -521,7 +529,7 @@
             </a:ln>
             <a:extLst>
               <a:ext uri="{91240B29-F687-4f45-9708-019B960494DF}">
-                <a14:hiddenLine xmlns:a14="http://schemas.microsoft.com/office/drawing/2010/main" xmlns="" w="9525">
+                <a14:hiddenLine xmlns="" xmlns:a14="http://schemas.microsoft.com/office/drawing/2010/main" w="9525">
                   <a:solidFill>
                     <a:srgbClr val="000000"/>
                   </a:solidFill>
@@ -583,7 +591,7 @@
             </a:ln>
             <a:extLst>
               <a:ext uri="{91240B29-F687-4f45-9708-019B960494DF}">
-                <a14:hiddenLine xmlns:a14="http://schemas.microsoft.com/office/drawing/2010/main" xmlns="" w="9525">
+                <a14:hiddenLine xmlns="" xmlns:a14="http://schemas.microsoft.com/office/drawing/2010/main" w="9525">
                   <a:solidFill>
                     <a:srgbClr val="000000"/>
                   </a:solidFill>
@@ -645,7 +653,7 @@
             </a:ln>
             <a:extLst>
               <a:ext uri="{91240B29-F687-4f45-9708-019B960494DF}">
-                <a14:hiddenLine xmlns:a14="http://schemas.microsoft.com/office/drawing/2010/main" xmlns="" w="9525">
+                <a14:hiddenLine xmlns="" xmlns:a14="http://schemas.microsoft.com/office/drawing/2010/main" w="9525">
                   <a:solidFill>
                     <a:srgbClr val="000000"/>
                   </a:solidFill>
@@ -735,7 +743,7 @@
             </a:ln>
             <a:extLst>
               <a:ext uri="{91240B29-F687-4f45-9708-019B960494DF}">
-                <a14:hiddenLine xmlns:a14="http://schemas.microsoft.com/office/drawing/2010/main" xmlns="" w="9525">
+                <a14:hiddenLine xmlns="" xmlns:a14="http://schemas.microsoft.com/office/drawing/2010/main" w="9525">
                   <a:solidFill>
                     <a:srgbClr val="000000"/>
                   </a:solidFill>
@@ -797,7 +805,7 @@
             </a:ln>
             <a:extLst>
               <a:ext uri="{91240B29-F687-4f45-9708-019B960494DF}">
-                <a14:hiddenLine xmlns:a14="http://schemas.microsoft.com/office/drawing/2010/main" xmlns="" w="9525">
+                <a14:hiddenLine xmlns="" xmlns:a14="http://schemas.microsoft.com/office/drawing/2010/main" w="9525">
                   <a:solidFill>
                     <a:srgbClr val="000000"/>
                   </a:solidFill>
@@ -859,7 +867,7 @@
             </a:ln>
             <a:extLst>
               <a:ext uri="{91240B29-F687-4f45-9708-019B960494DF}">
-                <a14:hiddenLine xmlns:a14="http://schemas.microsoft.com/office/drawing/2010/main" xmlns="" w="9525">
+                <a14:hiddenLine xmlns="" xmlns:a14="http://schemas.microsoft.com/office/drawing/2010/main" w="9525">
                   <a:solidFill>
                     <a:srgbClr val="000000"/>
                   </a:solidFill>
@@ -949,7 +957,7 @@
             </a:ln>
             <a:extLst>
               <a:ext uri="{91240B29-F687-4f45-9708-019B960494DF}">
-                <a14:hiddenLine xmlns:a14="http://schemas.microsoft.com/office/drawing/2010/main" xmlns="" w="9525">
+                <a14:hiddenLine xmlns="" xmlns:a14="http://schemas.microsoft.com/office/drawing/2010/main" w="9525">
                   <a:solidFill>
                     <a:srgbClr val="000000"/>
                   </a:solidFill>
@@ -1039,7 +1047,7 @@
             </a:ln>
             <a:extLst>
               <a:ext uri="{91240B29-F687-4f45-9708-019B960494DF}">
-                <a14:hiddenLine xmlns:a14="http://schemas.microsoft.com/office/drawing/2010/main" xmlns="" w="9525">
+                <a14:hiddenLine xmlns="" xmlns:a14="http://schemas.microsoft.com/office/drawing/2010/main" w="9525">
                   <a:solidFill>
                     <a:srgbClr val="000000"/>
                   </a:solidFill>
@@ -1101,7 +1109,7 @@
             </a:ln>
             <a:extLst>
               <a:ext uri="{91240B29-F687-4f45-9708-019B960494DF}">
-                <a14:hiddenLine xmlns:a14="http://schemas.microsoft.com/office/drawing/2010/main" xmlns="" w="9525">
+                <a14:hiddenLine xmlns="" xmlns:a14="http://schemas.microsoft.com/office/drawing/2010/main" w="9525">
                   <a:solidFill>
                     <a:srgbClr val="000000"/>
                   </a:solidFill>
@@ -1211,7 +1219,7 @@
             </a:ln>
             <a:extLst>
               <a:ext uri="{91240B29-F687-4f45-9708-019B960494DF}">
-                <a14:hiddenLine xmlns:a14="http://schemas.microsoft.com/office/drawing/2010/main" xmlns="" w="9525">
+                <a14:hiddenLine xmlns="" xmlns:a14="http://schemas.microsoft.com/office/drawing/2010/main" w="9525">
                   <a:solidFill>
                     <a:srgbClr val="000000"/>
                   </a:solidFill>
@@ -1273,7 +1281,7 @@
             </a:ln>
             <a:extLst>
               <a:ext uri="{91240B29-F687-4f45-9708-019B960494DF}">
-                <a14:hiddenLine xmlns:a14="http://schemas.microsoft.com/office/drawing/2010/main" xmlns="" w="9525">
+                <a14:hiddenLine xmlns="" xmlns:a14="http://schemas.microsoft.com/office/drawing/2010/main" w="9525">
                   <a:solidFill>
                     <a:srgbClr val="000000"/>
                   </a:solidFill>
@@ -1363,7 +1371,7 @@
             </a:ln>
             <a:extLst>
               <a:ext uri="{91240B29-F687-4f45-9708-019B960494DF}">
-                <a14:hiddenLine xmlns:a14="http://schemas.microsoft.com/office/drawing/2010/main" xmlns="" w="9525">
+                <a14:hiddenLine xmlns="" xmlns:a14="http://schemas.microsoft.com/office/drawing/2010/main" w="9525">
                   <a:solidFill>
                     <a:srgbClr val="000000"/>
                   </a:solidFill>
@@ -1453,7 +1461,7 @@
             </a:ln>
             <a:extLst>
               <a:ext uri="{91240B29-F687-4f45-9708-019B960494DF}">
-                <a14:hiddenLine xmlns:a14="http://schemas.microsoft.com/office/drawing/2010/main" xmlns="" w="9525">
+                <a14:hiddenLine xmlns="" xmlns:a14="http://schemas.microsoft.com/office/drawing/2010/main" w="9525">
                   <a:solidFill>
                     <a:srgbClr val="000000"/>
                   </a:solidFill>
@@ -1515,7 +1523,7 @@
             </a:ln>
             <a:extLst>
               <a:ext uri="{91240B29-F687-4f45-9708-019B960494DF}">
-                <a14:hiddenLine xmlns:a14="http://schemas.microsoft.com/office/drawing/2010/main" xmlns="" w="9525">
+                <a14:hiddenLine xmlns="" xmlns:a14="http://schemas.microsoft.com/office/drawing/2010/main" w="9525">
                   <a:solidFill>
                     <a:srgbClr val="000000"/>
                   </a:solidFill>
@@ -1605,7 +1613,7 @@
             </a:ln>
             <a:extLst>
               <a:ext uri="{91240B29-F687-4f45-9708-019B960494DF}">
-                <a14:hiddenLine xmlns:a14="http://schemas.microsoft.com/office/drawing/2010/main" xmlns="" w="9525">
+                <a14:hiddenLine xmlns="" xmlns:a14="http://schemas.microsoft.com/office/drawing/2010/main" w="9525">
                   <a:solidFill>
                     <a:srgbClr val="000000"/>
                   </a:solidFill>
@@ -1695,7 +1703,7 @@
             </a:ln>
             <a:extLst>
               <a:ext uri="{91240B29-F687-4f45-9708-019B960494DF}">
-                <a14:hiddenLine xmlns:a14="http://schemas.microsoft.com/office/drawing/2010/main" xmlns="" w="9525">
+                <a14:hiddenLine xmlns="" xmlns:a14="http://schemas.microsoft.com/office/drawing/2010/main" w="9525">
                   <a:solidFill>
                     <a:srgbClr val="000000"/>
                   </a:solidFill>
@@ -1751,7 +1759,7 @@
             </a:ln>
             <a:extLst>
               <a:ext uri="{91240B29-F687-4f45-9708-019B960494DF}">
-                <a14:hiddenLine xmlns:a14="http://schemas.microsoft.com/office/drawing/2010/main" xmlns="" w="9525">
+                <a14:hiddenLine xmlns="" xmlns:a14="http://schemas.microsoft.com/office/drawing/2010/main" w="9525">
                   <a:solidFill>
                     <a:srgbClr val="000000"/>
                   </a:solidFill>
@@ -1841,7 +1849,7 @@
             </a:ln>
             <a:extLst>
               <a:ext uri="{91240B29-F687-4f45-9708-019B960494DF}">
-                <a14:hiddenLine xmlns:a14="http://schemas.microsoft.com/office/drawing/2010/main" xmlns="" w="9525">
+                <a14:hiddenLine xmlns="" xmlns:a14="http://schemas.microsoft.com/office/drawing/2010/main" w="9525">
                   <a:solidFill>
                     <a:srgbClr val="000000"/>
                   </a:solidFill>
@@ -1897,7 +1905,7 @@
             </a:ln>
             <a:extLst>
               <a:ext uri="{91240B29-F687-4f45-9708-019B960494DF}">
-                <a14:hiddenLine xmlns:a14="http://schemas.microsoft.com/office/drawing/2010/main" xmlns="" w="9525">
+                <a14:hiddenLine xmlns="" xmlns:a14="http://schemas.microsoft.com/office/drawing/2010/main" w="9525">
                   <a:solidFill>
                     <a:srgbClr val="000000"/>
                   </a:solidFill>
@@ -1987,7 +1995,7 @@
             </a:ln>
             <a:extLst>
               <a:ext uri="{91240B29-F687-4f45-9708-019B960494DF}">
-                <a14:hiddenLine xmlns:a14="http://schemas.microsoft.com/office/drawing/2010/main" xmlns="" w="9525">
+                <a14:hiddenLine xmlns="" xmlns:a14="http://schemas.microsoft.com/office/drawing/2010/main" w="9525">
                   <a:solidFill>
                     <a:srgbClr val="000000"/>
                   </a:solidFill>
@@ -2055,7 +2063,7 @@
             </a:ln>
             <a:extLst>
               <a:ext uri="{91240B29-F687-4f45-9708-019B960494DF}">
-                <a14:hiddenLine xmlns:a14="http://schemas.microsoft.com/office/drawing/2010/main" xmlns="" w="9525">
+                <a14:hiddenLine xmlns="" xmlns:a14="http://schemas.microsoft.com/office/drawing/2010/main" w="9525">
                   <a:solidFill>
                     <a:srgbClr val="000000"/>
                   </a:solidFill>
@@ -2145,7 +2153,7 @@
             </a:ln>
             <a:extLst>
               <a:ext uri="{91240B29-F687-4f45-9708-019B960494DF}">
-                <a14:hiddenLine xmlns:a14="http://schemas.microsoft.com/office/drawing/2010/main" xmlns="" w="9525">
+                <a14:hiddenLine xmlns="" xmlns:a14="http://schemas.microsoft.com/office/drawing/2010/main" w="9525">
                   <a:solidFill>
                     <a:srgbClr val="000000"/>
                   </a:solidFill>
@@ -2213,7 +2221,7 @@
             </a:ln>
             <a:extLst>
               <a:ext uri="{91240B29-F687-4f45-9708-019B960494DF}">
-                <a14:hiddenLine xmlns:a14="http://schemas.microsoft.com/office/drawing/2010/main" xmlns="" w="9525">
+                <a14:hiddenLine xmlns="" xmlns:a14="http://schemas.microsoft.com/office/drawing/2010/main" w="9525">
                   <a:solidFill>
                     <a:srgbClr val="000000"/>
                   </a:solidFill>
@@ -2303,7 +2311,7 @@
             </a:ln>
             <a:extLst>
               <a:ext uri="{91240B29-F687-4f45-9708-019B960494DF}">
-                <a14:hiddenLine xmlns:a14="http://schemas.microsoft.com/office/drawing/2010/main" xmlns="" w="9525">
+                <a14:hiddenLine xmlns="" xmlns:a14="http://schemas.microsoft.com/office/drawing/2010/main" w="9525">
                   <a:solidFill>
                     <a:srgbClr val="000000"/>
                   </a:solidFill>
@@ -2337,7 +2345,7 @@
             </a:ln>
             <a:extLst>
               <a:ext uri="{91240B29-F687-4f45-9708-019B960494DF}">
-                <a14:hiddenLine xmlns:a14="http://schemas.microsoft.com/office/drawing/2010/main" xmlns="" w="9525">
+                <a14:hiddenLine xmlns="" xmlns:a14="http://schemas.microsoft.com/office/drawing/2010/main" w="9525">
                   <a:solidFill>
                     <a:srgbClr val="000000"/>
                   </a:solidFill>
@@ -2427,7 +2435,7 @@
             </a:ln>
             <a:extLst>
               <a:ext uri="{91240B29-F687-4f45-9708-019B960494DF}">
-                <a14:hiddenLine xmlns:a14="http://schemas.microsoft.com/office/drawing/2010/main" xmlns="" w="9525">
+                <a14:hiddenLine xmlns="" xmlns:a14="http://schemas.microsoft.com/office/drawing/2010/main" w="9525">
                   <a:solidFill>
                     <a:srgbClr val="000000"/>
                   </a:solidFill>
@@ -2489,7 +2497,7 @@
             </a:ln>
             <a:extLst>
               <a:ext uri="{91240B29-F687-4f45-9708-019B960494DF}">
-                <a14:hiddenLine xmlns:a14="http://schemas.microsoft.com/office/drawing/2010/main" xmlns="" w="9525">
+                <a14:hiddenLine xmlns="" xmlns:a14="http://schemas.microsoft.com/office/drawing/2010/main" w="9525">
                   <a:solidFill>
                     <a:srgbClr val="000000"/>
                   </a:solidFill>
@@ -2551,7 +2559,7 @@
             </a:ln>
             <a:extLst>
               <a:ext uri="{91240B29-F687-4f45-9708-019B960494DF}">
-                <a14:hiddenLine xmlns:a14="http://schemas.microsoft.com/office/drawing/2010/main" xmlns="" w="9525">
+                <a14:hiddenLine xmlns="" xmlns:a14="http://schemas.microsoft.com/office/drawing/2010/main" w="9525">
                   <a:solidFill>
                     <a:srgbClr val="000000"/>
                   </a:solidFill>
@@ -2641,7 +2649,7 @@
             </a:ln>
             <a:extLst>
               <a:ext uri="{91240B29-F687-4f45-9708-019B960494DF}">
-                <a14:hiddenLine xmlns:a14="http://schemas.microsoft.com/office/drawing/2010/main" xmlns="" w="9525">
+                <a14:hiddenLine xmlns="" xmlns:a14="http://schemas.microsoft.com/office/drawing/2010/main" w="9525">
                   <a:solidFill>
                     <a:srgbClr val="000000"/>
                   </a:solidFill>
@@ -2709,7 +2717,7 @@
             </a:ln>
             <a:extLst>
               <a:ext uri="{91240B29-F687-4f45-9708-019B960494DF}">
-                <a14:hiddenLine xmlns:a14="http://schemas.microsoft.com/office/drawing/2010/main" xmlns="" w="9525">
+                <a14:hiddenLine xmlns="" xmlns:a14="http://schemas.microsoft.com/office/drawing/2010/main" w="9525">
                   <a:solidFill>
                     <a:srgbClr val="000000"/>
                   </a:solidFill>
@@ -2771,7 +2779,7 @@
             </a:ln>
             <a:extLst>
               <a:ext uri="{91240B29-F687-4f45-9708-019B960494DF}">
-                <a14:hiddenLine xmlns:a14="http://schemas.microsoft.com/office/drawing/2010/main" xmlns="" w="9525">
+                <a14:hiddenLine xmlns="" xmlns:a14="http://schemas.microsoft.com/office/drawing/2010/main" w="9525">
                   <a:solidFill>
                     <a:srgbClr val="000000"/>
                   </a:solidFill>
@@ -2861,7 +2869,7 @@
             </a:ln>
             <a:extLst>
               <a:ext uri="{91240B29-F687-4f45-9708-019B960494DF}">
-                <a14:hiddenLine xmlns:a14="http://schemas.microsoft.com/office/drawing/2010/main" xmlns="" w="9525">
+                <a14:hiddenLine xmlns="" xmlns:a14="http://schemas.microsoft.com/office/drawing/2010/main" w="9525">
                   <a:solidFill>
                     <a:srgbClr val="000000"/>
                   </a:solidFill>
@@ -2923,7 +2931,7 @@
             </a:ln>
             <a:extLst>
               <a:ext uri="{91240B29-F687-4f45-9708-019B960494DF}">
-                <a14:hiddenLine xmlns:a14="http://schemas.microsoft.com/office/drawing/2010/main" xmlns="" w="9525">
+                <a14:hiddenLine xmlns="" xmlns:a14="http://schemas.microsoft.com/office/drawing/2010/main" w="9525">
                   <a:solidFill>
                     <a:srgbClr val="000000"/>
                   </a:solidFill>
@@ -3013,7 +3021,7 @@
             </a:ln>
             <a:extLst>
               <a:ext uri="{91240B29-F687-4f45-9708-019B960494DF}">
-                <a14:hiddenLine xmlns:a14="http://schemas.microsoft.com/office/drawing/2010/main" xmlns="" w="9525">
+                <a14:hiddenLine xmlns="" xmlns:a14="http://schemas.microsoft.com/office/drawing/2010/main" w="9525">
                   <a:solidFill>
                     <a:srgbClr val="000000"/>
                   </a:solidFill>
@@ -3075,7 +3083,7 @@
             </a:ln>
             <a:extLst>
               <a:ext uri="{91240B29-F687-4f45-9708-019B960494DF}">
-                <a14:hiddenLine xmlns:a14="http://schemas.microsoft.com/office/drawing/2010/main" xmlns="" w="9525">
+                <a14:hiddenLine xmlns="" xmlns:a14="http://schemas.microsoft.com/office/drawing/2010/main" w="9525">
                   <a:solidFill>
                     <a:srgbClr val="000000"/>
                   </a:solidFill>
@@ -3165,7 +3173,7 @@
             </a:ln>
             <a:extLst>
               <a:ext uri="{91240B29-F687-4f45-9708-019B960494DF}">
-                <a14:hiddenLine xmlns:a14="http://schemas.microsoft.com/office/drawing/2010/main" xmlns="" w="9525">
+                <a14:hiddenLine xmlns="" xmlns:a14="http://schemas.microsoft.com/office/drawing/2010/main" w="9525">
                   <a:solidFill>
                     <a:srgbClr val="000000"/>
                   </a:solidFill>
@@ -3199,7 +3207,7 @@
             </a:ln>
             <a:extLst>
               <a:ext uri="{91240B29-F687-4f45-9708-019B960494DF}">
-                <a14:hiddenLine xmlns:a14="http://schemas.microsoft.com/office/drawing/2010/main" xmlns="" w="9525">
+                <a14:hiddenLine xmlns="" xmlns:a14="http://schemas.microsoft.com/office/drawing/2010/main" w="9525">
                   <a:solidFill>
                     <a:srgbClr val="000000"/>
                   </a:solidFill>
@@ -3264,7 +3272,7 @@
             </a:ln>
             <a:extLst>
               <a:ext uri="{91240B29-F687-4f45-9708-019B960494DF}">
-                <a14:hiddenLine xmlns:a14="http://schemas.microsoft.com/office/drawing/2010/main" xmlns="" w="9525">
+                <a14:hiddenLine xmlns="" xmlns:a14="http://schemas.microsoft.com/office/drawing/2010/main" w="9525">
                   <a:solidFill>
                     <a:srgbClr val="000000"/>
                   </a:solidFill>
@@ -3354,7 +3362,7 @@
             </a:ln>
             <a:extLst>
               <a:ext uri="{91240B29-F687-4f45-9708-019B960494DF}">
-                <a14:hiddenLine xmlns:a14="http://schemas.microsoft.com/office/drawing/2010/main" xmlns="" w="9525">
+                <a14:hiddenLine xmlns="" xmlns:a14="http://schemas.microsoft.com/office/drawing/2010/main" w="9525">
                   <a:solidFill>
                     <a:srgbClr val="000000"/>
                   </a:solidFill>
@@ -3416,7 +3424,7 @@
             </a:ln>
             <a:extLst>
               <a:ext uri="{91240B29-F687-4f45-9708-019B960494DF}">
-                <a14:hiddenLine xmlns:a14="http://schemas.microsoft.com/office/drawing/2010/main" xmlns="" w="9525">
+                <a14:hiddenLine xmlns="" xmlns:a14="http://schemas.microsoft.com/office/drawing/2010/main" w="9525">
                   <a:solidFill>
                     <a:srgbClr val="000000"/>
                   </a:solidFill>
@@ -3506,7 +3514,7 @@
             </a:ln>
             <a:extLst>
               <a:ext uri="{91240B29-F687-4f45-9708-019B960494DF}">
-                <a14:hiddenLine xmlns:a14="http://schemas.microsoft.com/office/drawing/2010/main" xmlns="" w="9525">
+                <a14:hiddenLine xmlns="" xmlns:a14="http://schemas.microsoft.com/office/drawing/2010/main" w="9525">
                   <a:solidFill>
                     <a:srgbClr val="000000"/>
                   </a:solidFill>
@@ -3596,7 +3604,7 @@
             </a:ln>
             <a:extLst>
               <a:ext uri="{91240B29-F687-4f45-9708-019B960494DF}">
-                <a14:hiddenLine xmlns:a14="http://schemas.microsoft.com/office/drawing/2010/main" xmlns="" w="9525">
+                <a14:hiddenLine xmlns="" xmlns:a14="http://schemas.microsoft.com/office/drawing/2010/main" w="9525">
                   <a:solidFill>
                     <a:srgbClr val="000000"/>
                   </a:solidFill>
@@ -3661,7 +3669,7 @@
             </a:ln>
             <a:extLst>
               <a:ext uri="{91240B29-F687-4f45-9708-019B960494DF}">
-                <a14:hiddenLine xmlns:a14="http://schemas.microsoft.com/office/drawing/2010/main" xmlns="" w="9525">
+                <a14:hiddenLine xmlns="" xmlns:a14="http://schemas.microsoft.com/office/drawing/2010/main" w="9525">
                   <a:solidFill>
                     <a:srgbClr val="000000"/>
                   </a:solidFill>
@@ -3723,7 +3731,7 @@
             </a:ln>
             <a:extLst>
               <a:ext uri="{91240B29-F687-4f45-9708-019B960494DF}">
-                <a14:hiddenLine xmlns:a14="http://schemas.microsoft.com/office/drawing/2010/main" xmlns="" w="9525">
+                <a14:hiddenLine xmlns="" xmlns:a14="http://schemas.microsoft.com/office/drawing/2010/main" w="9525">
                   <a:solidFill>
                     <a:srgbClr val="000000"/>
                   </a:solidFill>
@@ -3813,7 +3821,7 @@
             </a:ln>
             <a:extLst>
               <a:ext uri="{91240B29-F687-4f45-9708-019B960494DF}">
-                <a14:hiddenLine xmlns:a14="http://schemas.microsoft.com/office/drawing/2010/main" xmlns="" w="9525">
+                <a14:hiddenLine xmlns="" xmlns:a14="http://schemas.microsoft.com/office/drawing/2010/main" w="9525">
                   <a:solidFill>
                     <a:srgbClr val="000000"/>
                   </a:solidFill>
@@ -3903,7 +3911,7 @@
             </a:ln>
             <a:extLst>
               <a:ext uri="{91240B29-F687-4f45-9708-019B960494DF}">
-                <a14:hiddenLine xmlns:a14="http://schemas.microsoft.com/office/drawing/2010/main" xmlns="" w="9525">
+                <a14:hiddenLine xmlns="" xmlns:a14="http://schemas.microsoft.com/office/drawing/2010/main" w="9525">
                   <a:solidFill>
                     <a:srgbClr val="000000"/>
                   </a:solidFill>
@@ -3965,7 +3973,7 @@
             </a:ln>
             <a:extLst>
               <a:ext uri="{91240B29-F687-4f45-9708-019B960494DF}">
-                <a14:hiddenLine xmlns:a14="http://schemas.microsoft.com/office/drawing/2010/main" xmlns="" w="9525">
+                <a14:hiddenLine xmlns="" xmlns:a14="http://schemas.microsoft.com/office/drawing/2010/main" w="9525">
                   <a:solidFill>
                     <a:srgbClr val="000000"/>
                   </a:solidFill>
@@ -4085,7 +4093,7 @@
             </a:ln>
             <a:extLst>
               <a:ext uri="{91240B29-F687-4f45-9708-019B960494DF}">
-                <a14:hiddenLine xmlns:a14="http://schemas.microsoft.com/office/drawing/2010/main" xmlns="" w="9525">
+                <a14:hiddenLine xmlns="" xmlns:a14="http://schemas.microsoft.com/office/drawing/2010/main" w="9525">
                   <a:solidFill>
                     <a:srgbClr val="000000"/>
                   </a:solidFill>
@@ -4153,7 +4161,7 @@
             </a:ln>
             <a:extLst>
               <a:ext uri="{91240B29-F687-4f45-9708-019B960494DF}">
-                <a14:hiddenLine xmlns:a14="http://schemas.microsoft.com/office/drawing/2010/main" xmlns="" w="9525">
+                <a14:hiddenLine xmlns="" xmlns:a14="http://schemas.microsoft.com/office/drawing/2010/main" w="9525">
                   <a:solidFill>
                     <a:srgbClr val="000000"/>
                   </a:solidFill>
@@ -4243,7 +4251,7 @@
             </a:ln>
             <a:extLst>
               <a:ext uri="{91240B29-F687-4f45-9708-019B960494DF}">
-                <a14:hiddenLine xmlns:a14="http://schemas.microsoft.com/office/drawing/2010/main" xmlns="" w="9525">
+                <a14:hiddenLine xmlns="" xmlns:a14="http://schemas.microsoft.com/office/drawing/2010/main" w="9525">
                   <a:solidFill>
                     <a:srgbClr val="000000"/>
                   </a:solidFill>
@@ -4283,7 +4291,7 @@
           </a:lstStyle>
           <a:p>
             <a:r>
-              <a:rPr lang="ru-RU" smtClean="0"/>
+              <a:rPr lang="ru-RU"/>
               <a:t>Образец заголовка</a:t>
             </a:r>
             <a:endParaRPr lang="en-US" dirty="0"/>
@@ -4354,7 +4362,7 @@
           </a:lstStyle>
           <a:p>
             <a:r>
-              <a:rPr lang="ru-RU" smtClean="0"/>
+              <a:rPr lang="ru-RU"/>
               <a:t>Образец подзаголовка</a:t>
             </a:r>
             <a:endParaRPr lang="en-US" dirty="0"/>
@@ -4383,7 +4391,7 @@
           <a:p>
             <a:fld id="{48A87A34-81AB-432B-8DAE-1953F412C126}" type="datetimeFigureOut">
               <a:rPr lang="en-US" dirty="0"/>
-              <a:t>7/2/2025</a:t>
+              <a:t>7/5/2025</a:t>
             </a:fld>
             <a:endParaRPr lang="en-US" dirty="0"/>
           </a:p>
@@ -4493,7 +4501,7 @@
           </a:lstStyle>
           <a:p>
             <a:r>
-              <a:rPr lang="ru-RU" smtClean="0"/>
+              <a:rPr lang="ru-RU"/>
               <a:t>Образец заголовка</a:t>
             </a:r>
             <a:endParaRPr lang="en-US" dirty="0"/>
@@ -4554,7 +4562,7 @@
               <a:buNone/>
             </a:pPr>
             <a:r>
-              <a:rPr lang="ru-RU" smtClean="0"/>
+              <a:rPr lang="ru-RU"/>
               <a:t>Вставка рисунка</a:t>
             </a:r>
             <a:endParaRPr lang="en-US" dirty="0"/>
@@ -4622,7 +4630,7 @@
           <a:p>
             <a:pPr lvl="0"/>
             <a:r>
-              <a:rPr lang="ru-RU" smtClean="0"/>
+              <a:rPr lang="ru-RU"/>
               <a:t>Образец текста</a:t>
             </a:r>
           </a:p>
@@ -4645,7 +4653,7 @@
           <a:p>
             <a:fld id="{48A87A34-81AB-432B-8DAE-1953F412C126}" type="datetimeFigureOut">
               <a:rPr lang="en-US" dirty="0"/>
-              <a:t>7/2/2025</a:t>
+              <a:t>7/5/2025</a:t>
             </a:fld>
             <a:endParaRPr lang="en-US" dirty="0"/>
           </a:p>
@@ -4745,7 +4753,7 @@
           </a:lstStyle>
           <a:p>
             <a:r>
-              <a:rPr lang="ru-RU" smtClean="0"/>
+              <a:rPr lang="ru-RU"/>
               <a:t>Образец заголовка</a:t>
             </a:r>
             <a:endParaRPr lang="en-US" dirty="0"/>
@@ -4813,7 +4821,7 @@
           <a:p>
             <a:pPr lvl="0"/>
             <a:r>
-              <a:rPr lang="ru-RU" smtClean="0"/>
+              <a:rPr lang="ru-RU"/>
               <a:t>Образец текста</a:t>
             </a:r>
           </a:p>
@@ -4836,7 +4844,7 @@
           <a:p>
             <a:fld id="{48A87A34-81AB-432B-8DAE-1953F412C126}" type="datetimeFigureOut">
               <a:rPr lang="en-US" dirty="0"/>
-              <a:t>7/2/2025</a:t>
+              <a:t>7/5/2025</a:t>
             </a:fld>
             <a:endParaRPr lang="en-US" dirty="0"/>
           </a:p>
@@ -4936,7 +4944,7 @@
           </a:lstStyle>
           <a:p>
             <a:r>
-              <a:rPr lang="ru-RU" smtClean="0"/>
+              <a:rPr lang="ru-RU"/>
               <a:t>Образец заголовка</a:t>
             </a:r>
             <a:endParaRPr lang="en-US" dirty="0"/>
@@ -5004,7 +5012,7 @@
           <a:p>
             <a:pPr lvl="0"/>
             <a:r>
-              <a:rPr lang="ru-RU" smtClean="0"/>
+              <a:rPr lang="ru-RU"/>
               <a:t>Образец текста</a:t>
             </a:r>
           </a:p>
@@ -5071,7 +5079,7 @@
           <a:p>
             <a:pPr lvl="0"/>
             <a:r>
-              <a:rPr lang="ru-RU" smtClean="0"/>
+              <a:rPr lang="ru-RU"/>
               <a:t>Образец текста</a:t>
             </a:r>
           </a:p>
@@ -5094,7 +5102,7 @@
           <a:p>
             <a:fld id="{48A87A34-81AB-432B-8DAE-1953F412C126}" type="datetimeFigureOut">
               <a:rPr lang="en-US" dirty="0"/>
-              <a:t>7/2/2025</a:t>
+              <a:t>7/5/2025</a:t>
             </a:fld>
             <a:endParaRPr lang="en-US" dirty="0"/>
           </a:p>
@@ -5432,7 +5440,7 @@
           </a:lstStyle>
           <a:p>
             <a:r>
-              <a:rPr lang="ru-RU" smtClean="0"/>
+              <a:rPr lang="ru-RU"/>
               <a:t>Образец заголовка</a:t>
             </a:r>
             <a:endParaRPr lang="en-US" dirty="0"/>
@@ -5500,7 +5508,7 @@
           <a:p>
             <a:pPr lvl="0"/>
             <a:r>
-              <a:rPr lang="ru-RU" smtClean="0"/>
+              <a:rPr lang="ru-RU"/>
               <a:t>Образец текста</a:t>
             </a:r>
           </a:p>
@@ -5523,7 +5531,7 @@
           <a:p>
             <a:fld id="{48A87A34-81AB-432B-8DAE-1953F412C126}" type="datetimeFigureOut">
               <a:rPr lang="en-US" dirty="0"/>
-              <a:t>7/2/2025</a:t>
+              <a:t>7/5/2025</a:t>
             </a:fld>
             <a:endParaRPr lang="en-US" dirty="0"/>
           </a:p>
@@ -5617,7 +5625,7 @@
           <a:lstStyle/>
           <a:p>
             <a:r>
-              <a:rPr lang="ru-RU" smtClean="0"/>
+              <a:rPr lang="ru-RU"/>
               <a:t>Образец заголовка</a:t>
             </a:r>
             <a:endParaRPr lang="en-US" dirty="0"/>
@@ -5692,7 +5700,7 @@
           <a:p>
             <a:pPr lvl="0"/>
             <a:r>
-              <a:rPr lang="ru-RU" smtClean="0"/>
+              <a:rPr lang="ru-RU"/>
               <a:t>Образец текста</a:t>
             </a:r>
           </a:p>
@@ -5759,7 +5767,7 @@
           <a:p>
             <a:pPr lvl="0"/>
             <a:r>
-              <a:rPr lang="ru-RU" smtClean="0"/>
+              <a:rPr lang="ru-RU"/>
               <a:t>Образец текста</a:t>
             </a:r>
           </a:p>
@@ -5833,7 +5841,7 @@
           <a:p>
             <a:pPr lvl="0"/>
             <a:r>
-              <a:rPr lang="ru-RU" smtClean="0"/>
+              <a:rPr lang="ru-RU"/>
               <a:t>Образец текста</a:t>
             </a:r>
           </a:p>
@@ -5900,7 +5908,7 @@
           <a:p>
             <a:pPr lvl="0"/>
             <a:r>
-              <a:rPr lang="ru-RU" smtClean="0"/>
+              <a:rPr lang="ru-RU"/>
               <a:t>Образец текста</a:t>
             </a:r>
           </a:p>
@@ -5974,7 +5982,7 @@
           <a:p>
             <a:pPr lvl="0"/>
             <a:r>
-              <a:rPr lang="ru-RU" smtClean="0"/>
+              <a:rPr lang="ru-RU"/>
               <a:t>Образец текста</a:t>
             </a:r>
           </a:p>
@@ -6041,7 +6049,7 @@
           <a:p>
             <a:pPr lvl="0"/>
             <a:r>
-              <a:rPr lang="ru-RU" smtClean="0"/>
+              <a:rPr lang="ru-RU"/>
               <a:t>Образец текста</a:t>
             </a:r>
           </a:p>
@@ -6064,7 +6072,7 @@
           <a:p>
             <a:fld id="{48A87A34-81AB-432B-8DAE-1953F412C126}" type="datetimeFigureOut">
               <a:rPr lang="en-US" dirty="0"/>
-              <a:t>7/2/2025</a:t>
+              <a:t>7/5/2025</a:t>
             </a:fld>
             <a:endParaRPr lang="en-US" dirty="0"/>
           </a:p>
@@ -6158,7 +6166,7 @@
           <a:lstStyle/>
           <a:p>
             <a:r>
-              <a:rPr lang="ru-RU" smtClean="0"/>
+              <a:rPr lang="ru-RU"/>
               <a:t>Образец заголовка</a:t>
             </a:r>
             <a:endParaRPr lang="en-US" dirty="0"/>
@@ -6233,7 +6241,7 @@
           <a:p>
             <a:pPr lvl="0"/>
             <a:r>
-              <a:rPr lang="ru-RU" smtClean="0"/>
+              <a:rPr lang="ru-RU"/>
               <a:t>Образец текста</a:t>
             </a:r>
           </a:p>
@@ -6290,7 +6298,7 @@
               <a:buNone/>
             </a:pPr>
             <a:r>
-              <a:rPr lang="ru-RU" smtClean="0"/>
+              <a:rPr lang="ru-RU"/>
               <a:t>Вставка рисунка</a:t>
             </a:r>
             <a:endParaRPr lang="en-US" dirty="0"/>
@@ -6358,7 +6366,7 @@
           <a:p>
             <a:pPr lvl="0"/>
             <a:r>
-              <a:rPr lang="ru-RU" smtClean="0"/>
+              <a:rPr lang="ru-RU"/>
               <a:t>Образец текста</a:t>
             </a:r>
           </a:p>
@@ -6432,7 +6440,7 @@
           <a:p>
             <a:pPr lvl="0"/>
             <a:r>
-              <a:rPr lang="ru-RU" smtClean="0"/>
+              <a:rPr lang="ru-RU"/>
               <a:t>Образец текста</a:t>
             </a:r>
           </a:p>
@@ -6489,7 +6497,7 @@
               <a:buNone/>
             </a:pPr>
             <a:r>
-              <a:rPr lang="ru-RU" smtClean="0"/>
+              <a:rPr lang="ru-RU"/>
               <a:t>Вставка рисунка</a:t>
             </a:r>
             <a:endParaRPr lang="en-US" dirty="0"/>
@@ -6557,7 +6565,7 @@
           <a:p>
             <a:pPr lvl="0"/>
             <a:r>
-              <a:rPr lang="ru-RU" smtClean="0"/>
+              <a:rPr lang="ru-RU"/>
               <a:t>Образец текста</a:t>
             </a:r>
           </a:p>
@@ -6631,7 +6639,7 @@
           <a:p>
             <a:pPr lvl="0"/>
             <a:r>
-              <a:rPr lang="ru-RU" smtClean="0"/>
+              <a:rPr lang="ru-RU"/>
               <a:t>Образец текста</a:t>
             </a:r>
           </a:p>
@@ -6688,7 +6696,7 @@
               <a:buNone/>
             </a:pPr>
             <a:r>
-              <a:rPr lang="ru-RU" smtClean="0"/>
+              <a:rPr lang="ru-RU"/>
               <a:t>Вставка рисунка</a:t>
             </a:r>
             <a:endParaRPr lang="en-US" dirty="0"/>
@@ -6756,7 +6764,7 @@
           <a:p>
             <a:pPr lvl="0"/>
             <a:r>
-              <a:rPr lang="ru-RU" smtClean="0"/>
+              <a:rPr lang="ru-RU"/>
               <a:t>Образец текста</a:t>
             </a:r>
           </a:p>
@@ -6779,7 +6787,7 @@
           <a:p>
             <a:fld id="{48A87A34-81AB-432B-8DAE-1953F412C126}" type="datetimeFigureOut">
               <a:rPr lang="en-US" dirty="0"/>
-              <a:t>7/2/2025</a:t>
+              <a:t>7/5/2025</a:t>
             </a:fld>
             <a:endParaRPr lang="en-US" dirty="0"/>
           </a:p>
@@ -6868,7 +6876,7 @@
           <a:lstStyle/>
           <a:p>
             <a:r>
-              <a:rPr lang="ru-RU" smtClean="0"/>
+              <a:rPr lang="ru-RU"/>
               <a:t>Образец заголовка</a:t>
             </a:r>
             <a:endParaRPr lang="en-US" dirty="0"/>
@@ -6892,35 +6900,35 @@
           <a:p>
             <a:pPr lvl="0"/>
             <a:r>
-              <a:rPr lang="ru-RU" smtClean="0"/>
+              <a:rPr lang="ru-RU"/>
               <a:t>Образец текста</a:t>
             </a:r>
           </a:p>
           <a:p>
             <a:pPr lvl="1"/>
             <a:r>
-              <a:rPr lang="ru-RU" smtClean="0"/>
+              <a:rPr lang="ru-RU"/>
               <a:t>Второй уровень</a:t>
             </a:r>
           </a:p>
           <a:p>
             <a:pPr lvl="2"/>
             <a:r>
-              <a:rPr lang="ru-RU" smtClean="0"/>
+              <a:rPr lang="ru-RU"/>
               <a:t>Третий уровень</a:t>
             </a:r>
           </a:p>
           <a:p>
             <a:pPr lvl="3"/>
             <a:r>
-              <a:rPr lang="ru-RU" smtClean="0"/>
+              <a:rPr lang="ru-RU"/>
               <a:t>Четвертый уровень</a:t>
             </a:r>
           </a:p>
           <a:p>
             <a:pPr lvl="4"/>
             <a:r>
-              <a:rPr lang="ru-RU" smtClean="0"/>
+              <a:rPr lang="ru-RU"/>
               <a:t>Пятый уровень</a:t>
             </a:r>
             <a:endParaRPr lang="en-US" dirty="0"/>
@@ -6944,7 +6952,7 @@
           <a:p>
             <a:fld id="{48A87A34-81AB-432B-8DAE-1953F412C126}" type="datetimeFigureOut">
               <a:rPr lang="en-US" dirty="0"/>
-              <a:t>7/2/2025</a:t>
+              <a:t>7/5/2025</a:t>
             </a:fld>
             <a:endParaRPr lang="en-US" dirty="0"/>
           </a:p>
@@ -7038,7 +7046,7 @@
           <a:lstStyle/>
           <a:p>
             <a:r>
-              <a:rPr lang="ru-RU" smtClean="0"/>
+              <a:rPr lang="ru-RU"/>
               <a:t>Образец заголовка</a:t>
             </a:r>
             <a:endParaRPr lang="en-US" dirty="0"/>
@@ -7067,35 +7075,35 @@
           <a:p>
             <a:pPr lvl="0"/>
             <a:r>
-              <a:rPr lang="ru-RU" smtClean="0"/>
+              <a:rPr lang="ru-RU"/>
               <a:t>Образец текста</a:t>
             </a:r>
           </a:p>
           <a:p>
             <a:pPr lvl="1"/>
             <a:r>
-              <a:rPr lang="ru-RU" smtClean="0"/>
+              <a:rPr lang="ru-RU"/>
               <a:t>Второй уровень</a:t>
             </a:r>
           </a:p>
           <a:p>
             <a:pPr lvl="2"/>
             <a:r>
-              <a:rPr lang="ru-RU" smtClean="0"/>
+              <a:rPr lang="ru-RU"/>
               <a:t>Третий уровень</a:t>
             </a:r>
           </a:p>
           <a:p>
             <a:pPr lvl="3"/>
             <a:r>
-              <a:rPr lang="ru-RU" smtClean="0"/>
+              <a:rPr lang="ru-RU"/>
               <a:t>Четвертый уровень</a:t>
             </a:r>
           </a:p>
           <a:p>
             <a:pPr lvl="4"/>
             <a:r>
-              <a:rPr lang="ru-RU" smtClean="0"/>
+              <a:rPr lang="ru-RU"/>
               <a:t>Пятый уровень</a:t>
             </a:r>
             <a:endParaRPr lang="en-US" dirty="0"/>
@@ -7119,7 +7127,7 @@
           <a:p>
             <a:fld id="{48A87A34-81AB-432B-8DAE-1953F412C126}" type="datetimeFigureOut">
               <a:rPr lang="en-US" dirty="0"/>
-              <a:t>7/2/2025</a:t>
+              <a:t>7/5/2025</a:t>
             </a:fld>
             <a:endParaRPr lang="en-US" dirty="0"/>
           </a:p>
@@ -7208,7 +7216,7 @@
           <a:lstStyle/>
           <a:p>
             <a:r>
-              <a:rPr lang="ru-RU" smtClean="0"/>
+              <a:rPr lang="ru-RU"/>
               <a:t>Образец заголовка</a:t>
             </a:r>
             <a:endParaRPr lang="en-US" dirty="0"/>
@@ -7232,35 +7240,35 @@
           <a:p>
             <a:pPr lvl="0"/>
             <a:r>
-              <a:rPr lang="ru-RU" smtClean="0"/>
+              <a:rPr lang="ru-RU"/>
               <a:t>Образец текста</a:t>
             </a:r>
           </a:p>
           <a:p>
             <a:pPr lvl="1"/>
             <a:r>
-              <a:rPr lang="ru-RU" smtClean="0"/>
+              <a:rPr lang="ru-RU"/>
               <a:t>Второй уровень</a:t>
             </a:r>
           </a:p>
           <a:p>
             <a:pPr lvl="2"/>
             <a:r>
-              <a:rPr lang="ru-RU" smtClean="0"/>
+              <a:rPr lang="ru-RU"/>
               <a:t>Третий уровень</a:t>
             </a:r>
           </a:p>
           <a:p>
             <a:pPr lvl="3"/>
             <a:r>
-              <a:rPr lang="ru-RU" smtClean="0"/>
+              <a:rPr lang="ru-RU"/>
               <a:t>Четвертый уровень</a:t>
             </a:r>
           </a:p>
           <a:p>
             <a:pPr lvl="4"/>
             <a:r>
-              <a:rPr lang="ru-RU" smtClean="0"/>
+              <a:rPr lang="ru-RU"/>
               <a:t>Пятый уровень</a:t>
             </a:r>
             <a:endParaRPr lang="en-US" dirty="0"/>
@@ -7284,7 +7292,7 @@
           <a:p>
             <a:fld id="{48A87A34-81AB-432B-8DAE-1953F412C126}" type="datetimeFigureOut">
               <a:rPr lang="en-US" dirty="0"/>
-              <a:t>7/2/2025</a:t>
+              <a:t>7/5/2025</a:t>
             </a:fld>
             <a:endParaRPr lang="en-US" dirty="0"/>
           </a:p>
@@ -7384,7 +7392,7 @@
           </a:lstStyle>
           <a:p>
             <a:r>
-              <a:rPr lang="ru-RU" smtClean="0"/>
+              <a:rPr lang="ru-RU"/>
               <a:t>Образец заголовка</a:t>
             </a:r>
             <a:endParaRPr lang="en-US" dirty="0"/>
@@ -7506,7 +7514,7 @@
           <a:p>
             <a:pPr lvl="0"/>
             <a:r>
-              <a:rPr lang="ru-RU" smtClean="0"/>
+              <a:rPr lang="ru-RU"/>
               <a:t>Образец текста</a:t>
             </a:r>
           </a:p>
@@ -7529,7 +7537,7 @@
           <a:p>
             <a:fld id="{48A87A34-81AB-432B-8DAE-1953F412C126}" type="datetimeFigureOut">
               <a:rPr lang="en-US" dirty="0"/>
-              <a:t>7/2/2025</a:t>
+              <a:t>7/5/2025</a:t>
             </a:fld>
             <a:endParaRPr lang="en-US" dirty="0"/>
           </a:p>
@@ -7618,7 +7626,7 @@
           <a:lstStyle/>
           <a:p>
             <a:r>
-              <a:rPr lang="ru-RU" smtClean="0"/>
+              <a:rPr lang="ru-RU"/>
               <a:t>Образец заголовка</a:t>
             </a:r>
             <a:endParaRPr lang="en-US" dirty="0"/>
@@ -7647,35 +7655,35 @@
           <a:p>
             <a:pPr lvl="0"/>
             <a:r>
-              <a:rPr lang="ru-RU" smtClean="0"/>
+              <a:rPr lang="ru-RU"/>
               <a:t>Образец текста</a:t>
             </a:r>
           </a:p>
           <a:p>
             <a:pPr lvl="1"/>
             <a:r>
-              <a:rPr lang="ru-RU" smtClean="0"/>
+              <a:rPr lang="ru-RU"/>
               <a:t>Второй уровень</a:t>
             </a:r>
           </a:p>
           <a:p>
             <a:pPr lvl="2"/>
             <a:r>
-              <a:rPr lang="ru-RU" smtClean="0"/>
+              <a:rPr lang="ru-RU"/>
               <a:t>Третий уровень</a:t>
             </a:r>
           </a:p>
           <a:p>
             <a:pPr lvl="3"/>
             <a:r>
-              <a:rPr lang="ru-RU" smtClean="0"/>
+              <a:rPr lang="ru-RU"/>
               <a:t>Четвертый уровень</a:t>
             </a:r>
           </a:p>
           <a:p>
             <a:pPr lvl="4"/>
             <a:r>
-              <a:rPr lang="ru-RU" smtClean="0"/>
+              <a:rPr lang="ru-RU"/>
               <a:t>Пятый уровень</a:t>
             </a:r>
             <a:endParaRPr lang="en-US" dirty="0"/>
@@ -7704,35 +7712,35 @@
           <a:p>
             <a:pPr lvl="0"/>
             <a:r>
-              <a:rPr lang="ru-RU" smtClean="0"/>
+              <a:rPr lang="ru-RU"/>
               <a:t>Образец текста</a:t>
             </a:r>
           </a:p>
           <a:p>
             <a:pPr lvl="1"/>
             <a:r>
-              <a:rPr lang="ru-RU" smtClean="0"/>
+              <a:rPr lang="ru-RU"/>
               <a:t>Второй уровень</a:t>
             </a:r>
           </a:p>
           <a:p>
             <a:pPr lvl="2"/>
             <a:r>
-              <a:rPr lang="ru-RU" smtClean="0"/>
+              <a:rPr lang="ru-RU"/>
               <a:t>Третий уровень</a:t>
             </a:r>
           </a:p>
           <a:p>
             <a:pPr lvl="3"/>
             <a:r>
-              <a:rPr lang="ru-RU" smtClean="0"/>
+              <a:rPr lang="ru-RU"/>
               <a:t>Четвертый уровень</a:t>
             </a:r>
           </a:p>
           <a:p>
             <a:pPr lvl="4"/>
             <a:r>
-              <a:rPr lang="ru-RU" smtClean="0"/>
+              <a:rPr lang="ru-RU"/>
               <a:t>Пятый уровень</a:t>
             </a:r>
             <a:endParaRPr lang="en-US" dirty="0"/>
@@ -7756,7 +7764,7 @@
           <a:p>
             <a:fld id="{48A87A34-81AB-432B-8DAE-1953F412C126}" type="datetimeFigureOut">
               <a:rPr lang="en-US" dirty="0"/>
-              <a:t>7/2/2025</a:t>
+              <a:t>7/5/2025</a:t>
             </a:fld>
             <a:endParaRPr lang="en-US" dirty="0"/>
           </a:p>
@@ -7850,7 +7858,7 @@
           <a:lstStyle/>
           <a:p>
             <a:r>
-              <a:rPr lang="ru-RU" smtClean="0"/>
+              <a:rPr lang="ru-RU"/>
               <a:t>Образец заголовка</a:t>
             </a:r>
             <a:endParaRPr lang="en-US" dirty="0"/>
@@ -7923,7 +7931,7 @@
           <a:p>
             <a:pPr lvl="0"/>
             <a:r>
-              <a:rPr lang="ru-RU" smtClean="0"/>
+              <a:rPr lang="ru-RU"/>
               <a:t>Образец текста</a:t>
             </a:r>
           </a:p>
@@ -7951,35 +7959,35 @@
           <a:p>
             <a:pPr lvl="0"/>
             <a:r>
-              <a:rPr lang="ru-RU" smtClean="0"/>
+              <a:rPr lang="ru-RU"/>
               <a:t>Образец текста</a:t>
             </a:r>
           </a:p>
           <a:p>
             <a:pPr lvl="1"/>
             <a:r>
-              <a:rPr lang="ru-RU" smtClean="0"/>
+              <a:rPr lang="ru-RU"/>
               <a:t>Второй уровень</a:t>
             </a:r>
           </a:p>
           <a:p>
             <a:pPr lvl="2"/>
             <a:r>
-              <a:rPr lang="ru-RU" smtClean="0"/>
+              <a:rPr lang="ru-RU"/>
               <a:t>Третий уровень</a:t>
             </a:r>
           </a:p>
           <a:p>
             <a:pPr lvl="3"/>
             <a:r>
-              <a:rPr lang="ru-RU" smtClean="0"/>
+              <a:rPr lang="ru-RU"/>
               <a:t>Четвертый уровень</a:t>
             </a:r>
           </a:p>
           <a:p>
             <a:pPr lvl="4"/>
             <a:r>
-              <a:rPr lang="ru-RU" smtClean="0"/>
+              <a:rPr lang="ru-RU"/>
               <a:t>Пятый уровень</a:t>
             </a:r>
             <a:endParaRPr lang="en-US" dirty="0"/>
@@ -8052,7 +8060,7 @@
           <a:p>
             <a:pPr lvl="0"/>
             <a:r>
-              <a:rPr lang="ru-RU" smtClean="0"/>
+              <a:rPr lang="ru-RU"/>
               <a:t>Образец текста</a:t>
             </a:r>
           </a:p>
@@ -8080,35 +8088,35 @@
           <a:p>
             <a:pPr lvl="0"/>
             <a:r>
-              <a:rPr lang="ru-RU" smtClean="0"/>
+              <a:rPr lang="ru-RU"/>
               <a:t>Образец текста</a:t>
             </a:r>
           </a:p>
           <a:p>
             <a:pPr lvl="1"/>
             <a:r>
-              <a:rPr lang="ru-RU" smtClean="0"/>
+              <a:rPr lang="ru-RU"/>
               <a:t>Второй уровень</a:t>
             </a:r>
           </a:p>
           <a:p>
             <a:pPr lvl="2"/>
             <a:r>
-              <a:rPr lang="ru-RU" smtClean="0"/>
+              <a:rPr lang="ru-RU"/>
               <a:t>Третий уровень</a:t>
             </a:r>
           </a:p>
           <a:p>
             <a:pPr lvl="3"/>
             <a:r>
-              <a:rPr lang="ru-RU" smtClean="0"/>
+              <a:rPr lang="ru-RU"/>
               <a:t>Четвертый уровень</a:t>
             </a:r>
           </a:p>
           <a:p>
             <a:pPr lvl="4"/>
             <a:r>
-              <a:rPr lang="ru-RU" smtClean="0"/>
+              <a:rPr lang="ru-RU"/>
               <a:t>Пятый уровень</a:t>
             </a:r>
             <a:endParaRPr lang="en-US" dirty="0"/>
@@ -8132,7 +8140,7 @@
           <a:p>
             <a:fld id="{48A87A34-81AB-432B-8DAE-1953F412C126}" type="datetimeFigureOut">
               <a:rPr lang="en-US" dirty="0"/>
-              <a:t>7/2/2025</a:t>
+              <a:t>7/5/2025</a:t>
             </a:fld>
             <a:endParaRPr lang="en-US" dirty="0"/>
           </a:p>
@@ -8221,7 +8229,7 @@
           <a:lstStyle/>
           <a:p>
             <a:r>
-              <a:rPr lang="ru-RU" smtClean="0"/>
+              <a:rPr lang="ru-RU"/>
               <a:t>Образец заголовка</a:t>
             </a:r>
             <a:endParaRPr lang="en-US" dirty="0"/>
@@ -8245,7 +8253,7 @@
           <a:p>
             <a:fld id="{48A87A34-81AB-432B-8DAE-1953F412C126}" type="datetimeFigureOut">
               <a:rPr lang="en-US" dirty="0"/>
-              <a:t>7/2/2025</a:t>
+              <a:t>7/5/2025</a:t>
             </a:fld>
             <a:endParaRPr lang="en-US" dirty="0"/>
           </a:p>
@@ -8335,7 +8343,7 @@
           <a:p>
             <a:fld id="{48A87A34-81AB-432B-8DAE-1953F412C126}" type="datetimeFigureOut">
               <a:rPr lang="en-US" dirty="0"/>
-              <a:t>7/2/2025</a:t>
+              <a:t>7/5/2025</a:t>
             </a:fld>
             <a:endParaRPr lang="en-US" dirty="0"/>
           </a:p>
@@ -8433,7 +8441,7 @@
           </a:lstStyle>
           <a:p>
             <a:r>
-              <a:rPr lang="ru-RU" smtClean="0"/>
+              <a:rPr lang="ru-RU"/>
               <a:t>Образец заголовка</a:t>
             </a:r>
             <a:endParaRPr lang="en-US" dirty="0"/>
@@ -8462,35 +8470,35 @@
           <a:p>
             <a:pPr lvl="0"/>
             <a:r>
-              <a:rPr lang="ru-RU" smtClean="0"/>
+              <a:rPr lang="ru-RU"/>
               <a:t>Образец текста</a:t>
             </a:r>
           </a:p>
           <a:p>
             <a:pPr lvl="1"/>
             <a:r>
-              <a:rPr lang="ru-RU" smtClean="0"/>
+              <a:rPr lang="ru-RU"/>
               <a:t>Второй уровень</a:t>
             </a:r>
           </a:p>
           <a:p>
             <a:pPr lvl="2"/>
             <a:r>
-              <a:rPr lang="ru-RU" smtClean="0"/>
+              <a:rPr lang="ru-RU"/>
               <a:t>Третий уровень</a:t>
             </a:r>
           </a:p>
           <a:p>
             <a:pPr lvl="3"/>
             <a:r>
-              <a:rPr lang="ru-RU" smtClean="0"/>
+              <a:rPr lang="ru-RU"/>
               <a:t>Четвертый уровень</a:t>
             </a:r>
           </a:p>
           <a:p>
             <a:pPr lvl="4"/>
             <a:r>
-              <a:rPr lang="ru-RU" smtClean="0"/>
+              <a:rPr lang="ru-RU"/>
               <a:t>Пятый уровень</a:t>
             </a:r>
             <a:endParaRPr lang="en-US" dirty="0"/>
@@ -8556,7 +8564,7 @@
           <a:p>
             <a:pPr lvl="0"/>
             <a:r>
-              <a:rPr lang="ru-RU" smtClean="0"/>
+              <a:rPr lang="ru-RU"/>
               <a:t>Образец текста</a:t>
             </a:r>
           </a:p>
@@ -8579,7 +8587,7 @@
           <a:p>
             <a:fld id="{48A87A34-81AB-432B-8DAE-1953F412C126}" type="datetimeFigureOut">
               <a:rPr lang="en-US" dirty="0"/>
-              <a:t>7/2/2025</a:t>
+              <a:t>7/5/2025</a:t>
             </a:fld>
             <a:endParaRPr lang="en-US" dirty="0"/>
           </a:p>
@@ -8677,7 +8685,7 @@
           </a:lstStyle>
           <a:p>
             <a:r>
-              <a:rPr lang="ru-RU" smtClean="0"/>
+              <a:rPr lang="ru-RU"/>
               <a:t>Образец заголовка</a:t>
             </a:r>
             <a:endParaRPr lang="en-US" dirty="0"/>
@@ -8765,7 +8773,7 @@
           </a:lstStyle>
           <a:p>
             <a:r>
-              <a:rPr lang="ru-RU" smtClean="0"/>
+              <a:rPr lang="ru-RU"/>
               <a:t>Вставка рисунка</a:t>
             </a:r>
             <a:endParaRPr lang="en-US" dirty="0"/>
@@ -8831,7 +8839,7 @@
           <a:p>
             <a:pPr lvl="0"/>
             <a:r>
-              <a:rPr lang="ru-RU" smtClean="0"/>
+              <a:rPr lang="ru-RU"/>
               <a:t>Образец текста</a:t>
             </a:r>
           </a:p>
@@ -8854,7 +8862,7 @@
           <a:p>
             <a:fld id="{48A87A34-81AB-432B-8DAE-1953F412C126}" type="datetimeFigureOut">
               <a:rPr lang="en-US" dirty="0"/>
-              <a:t>7/2/2025</a:t>
+              <a:t>7/5/2025</a:t>
             </a:fld>
             <a:endParaRPr lang="en-US" dirty="0"/>
           </a:p>
@@ -8965,7 +8973,7 @@
           <a:noFill/>
           <a:extLst>
             <a:ext uri="{909E8E84-426E-40dd-AFC4-6F175D3DCCD1}">
-              <a14:hiddenFill xmlns:a14="http://schemas.microsoft.com/office/drawing/2010/main" xmlns="">
+              <a14:hiddenFill xmlns="" xmlns:a14="http://schemas.microsoft.com/office/drawing/2010/main">
                 <a:solidFill>
                   <a:srgbClr val="FFFFFF"/>
                 </a:solidFill>
@@ -9039,7 +9047,7 @@
               </a:ln>
               <a:extLst>
                 <a:ext uri="{91240B29-F687-4f45-9708-019B960494DF}">
-                  <a14:hiddenLine xmlns:a14="http://schemas.microsoft.com/office/drawing/2010/main" xmlns="" w="9525">
+                  <a14:hiddenLine xmlns="" xmlns:a14="http://schemas.microsoft.com/office/drawing/2010/main" w="9525">
                     <a:solidFill>
                       <a:srgbClr val="000000"/>
                     </a:solidFill>
@@ -9129,7 +9137,7 @@
               </a:ln>
               <a:extLst>
                 <a:ext uri="{91240B29-F687-4f45-9708-019B960494DF}">
-                  <a14:hiddenLine xmlns:a14="http://schemas.microsoft.com/office/drawing/2010/main" xmlns="" w="9525">
+                  <a14:hiddenLine xmlns="" xmlns:a14="http://schemas.microsoft.com/office/drawing/2010/main" w="9525">
                     <a:solidFill>
                       <a:srgbClr val="000000"/>
                     </a:solidFill>
@@ -9219,7 +9227,7 @@
               </a:ln>
               <a:extLst>
                 <a:ext uri="{91240B29-F687-4f45-9708-019B960494DF}">
-                  <a14:hiddenLine xmlns:a14="http://schemas.microsoft.com/office/drawing/2010/main" xmlns="" w="9525">
+                  <a14:hiddenLine xmlns="" xmlns:a14="http://schemas.microsoft.com/office/drawing/2010/main" w="9525">
                     <a:solidFill>
                       <a:srgbClr val="000000"/>
                     </a:solidFill>
@@ -9281,7 +9289,7 @@
               </a:ln>
               <a:extLst>
                 <a:ext uri="{91240B29-F687-4f45-9708-019B960494DF}">
-                  <a14:hiddenLine xmlns:a14="http://schemas.microsoft.com/office/drawing/2010/main" xmlns="" w="9525">
+                  <a14:hiddenLine xmlns="" xmlns:a14="http://schemas.microsoft.com/office/drawing/2010/main" w="9525">
                     <a:solidFill>
                       <a:srgbClr val="000000"/>
                     </a:solidFill>
@@ -9371,7 +9379,7 @@
               </a:ln>
               <a:extLst>
                 <a:ext uri="{91240B29-F687-4f45-9708-019B960494DF}">
-                  <a14:hiddenLine xmlns:a14="http://schemas.microsoft.com/office/drawing/2010/main" xmlns="" w="9525">
+                  <a14:hiddenLine xmlns="" xmlns:a14="http://schemas.microsoft.com/office/drawing/2010/main" w="9525">
                     <a:solidFill>
                       <a:srgbClr val="000000"/>
                     </a:solidFill>
@@ -9433,7 +9441,7 @@
               </a:ln>
               <a:extLst>
                 <a:ext uri="{91240B29-F687-4f45-9708-019B960494DF}">
-                  <a14:hiddenLine xmlns:a14="http://schemas.microsoft.com/office/drawing/2010/main" xmlns="" w="9525">
+                  <a14:hiddenLine xmlns="" xmlns:a14="http://schemas.microsoft.com/office/drawing/2010/main" w="9525">
                     <a:solidFill>
                       <a:srgbClr val="000000"/>
                     </a:solidFill>
@@ -9495,7 +9503,7 @@
               </a:ln>
               <a:extLst>
                 <a:ext uri="{91240B29-F687-4f45-9708-019B960494DF}">
-                  <a14:hiddenLine xmlns:a14="http://schemas.microsoft.com/office/drawing/2010/main" xmlns="" w="9525">
+                  <a14:hiddenLine xmlns="" xmlns:a14="http://schemas.microsoft.com/office/drawing/2010/main" w="9525">
                     <a:solidFill>
                       <a:srgbClr val="000000"/>
                     </a:solidFill>
@@ -9585,7 +9593,7 @@
               </a:ln>
               <a:extLst>
                 <a:ext uri="{91240B29-F687-4f45-9708-019B960494DF}">
-                  <a14:hiddenLine xmlns:a14="http://schemas.microsoft.com/office/drawing/2010/main" xmlns="" w="9525">
+                  <a14:hiddenLine xmlns="" xmlns:a14="http://schemas.microsoft.com/office/drawing/2010/main" w="9525">
                     <a:solidFill>
                       <a:srgbClr val="000000"/>
                     </a:solidFill>
@@ -9675,7 +9683,7 @@
               </a:ln>
               <a:extLst>
                 <a:ext uri="{91240B29-F687-4f45-9708-019B960494DF}">
-                  <a14:hiddenLine xmlns:a14="http://schemas.microsoft.com/office/drawing/2010/main" xmlns="" w="9525">
+                  <a14:hiddenLine xmlns="" xmlns:a14="http://schemas.microsoft.com/office/drawing/2010/main" w="9525">
                     <a:solidFill>
                       <a:srgbClr val="000000"/>
                     </a:solidFill>
@@ -9737,7 +9745,7 @@
               </a:ln>
               <a:extLst>
                 <a:ext uri="{91240B29-F687-4f45-9708-019B960494DF}">
-                  <a14:hiddenLine xmlns:a14="http://schemas.microsoft.com/office/drawing/2010/main" xmlns="" w="9525">
+                  <a14:hiddenLine xmlns="" xmlns:a14="http://schemas.microsoft.com/office/drawing/2010/main" w="9525">
                     <a:solidFill>
                       <a:srgbClr val="000000"/>
                     </a:solidFill>
@@ -9847,7 +9855,7 @@
               </a:ln>
               <a:extLst>
                 <a:ext uri="{91240B29-F687-4f45-9708-019B960494DF}">
-                  <a14:hiddenLine xmlns:a14="http://schemas.microsoft.com/office/drawing/2010/main" xmlns="" w="9525">
+                  <a14:hiddenLine xmlns="" xmlns:a14="http://schemas.microsoft.com/office/drawing/2010/main" w="9525">
                     <a:solidFill>
                       <a:srgbClr val="000000"/>
                     </a:solidFill>
@@ -9931,7 +9939,7 @@
               </a:ln>
               <a:extLst>
                 <a:ext uri="{91240B29-F687-4f45-9708-019B960494DF}">
-                  <a14:hiddenLine xmlns:a14="http://schemas.microsoft.com/office/drawing/2010/main" xmlns="" w="9525">
+                  <a14:hiddenLine xmlns="" xmlns:a14="http://schemas.microsoft.com/office/drawing/2010/main" w="9525">
                     <a:solidFill>
                       <a:srgbClr val="000000"/>
                     </a:solidFill>
@@ -9993,7 +10001,7 @@
               </a:ln>
               <a:extLst>
                 <a:ext uri="{91240B29-F687-4f45-9708-019B960494DF}">
-                  <a14:hiddenLine xmlns:a14="http://schemas.microsoft.com/office/drawing/2010/main" xmlns="" w="9525">
+                  <a14:hiddenLine xmlns="" xmlns:a14="http://schemas.microsoft.com/office/drawing/2010/main" w="9525">
                     <a:solidFill>
                       <a:srgbClr val="000000"/>
                     </a:solidFill>
@@ -10055,7 +10063,7 @@
               </a:ln>
               <a:extLst>
                 <a:ext uri="{91240B29-F687-4f45-9708-019B960494DF}">
-                  <a14:hiddenLine xmlns:a14="http://schemas.microsoft.com/office/drawing/2010/main" xmlns="" w="9525">
+                  <a14:hiddenLine xmlns="" xmlns:a14="http://schemas.microsoft.com/office/drawing/2010/main" w="9525">
                     <a:solidFill>
                       <a:srgbClr val="000000"/>
                     </a:solidFill>
@@ -10145,7 +10153,7 @@
               </a:ln>
               <a:extLst>
                 <a:ext uri="{91240B29-F687-4f45-9708-019B960494DF}">
-                  <a14:hiddenLine xmlns:a14="http://schemas.microsoft.com/office/drawing/2010/main" xmlns="" w="9525">
+                  <a14:hiddenLine xmlns="" xmlns:a14="http://schemas.microsoft.com/office/drawing/2010/main" w="9525">
                     <a:solidFill>
                       <a:srgbClr val="000000"/>
                     </a:solidFill>
@@ -10179,7 +10187,7 @@
               </a:ln>
               <a:extLst>
                 <a:ext uri="{91240B29-F687-4f45-9708-019B960494DF}">
-                  <a14:hiddenLine xmlns:a14="http://schemas.microsoft.com/office/drawing/2010/main" xmlns="" w="9525">
+                  <a14:hiddenLine xmlns="" xmlns:a14="http://schemas.microsoft.com/office/drawing/2010/main" w="9525">
                     <a:solidFill>
                       <a:srgbClr val="000000"/>
                     </a:solidFill>
@@ -10244,7 +10252,7 @@
               </a:ln>
               <a:extLst>
                 <a:ext uri="{91240B29-F687-4f45-9708-019B960494DF}">
-                  <a14:hiddenLine xmlns:a14="http://schemas.microsoft.com/office/drawing/2010/main" xmlns="" w="9525">
+                  <a14:hiddenLine xmlns="" xmlns:a14="http://schemas.microsoft.com/office/drawing/2010/main" w="9525">
                     <a:solidFill>
                       <a:srgbClr val="000000"/>
                     </a:solidFill>
@@ -10334,7 +10342,7 @@
               </a:ln>
               <a:extLst>
                 <a:ext uri="{91240B29-F687-4f45-9708-019B960494DF}">
-                  <a14:hiddenLine xmlns:a14="http://schemas.microsoft.com/office/drawing/2010/main" xmlns="" w="9525">
+                  <a14:hiddenLine xmlns="" xmlns:a14="http://schemas.microsoft.com/office/drawing/2010/main" w="9525">
                     <a:solidFill>
                       <a:srgbClr val="000000"/>
                     </a:solidFill>
@@ -10396,7 +10404,7 @@
               </a:ln>
               <a:extLst>
                 <a:ext uri="{91240B29-F687-4f45-9708-019B960494DF}">
-                  <a14:hiddenLine xmlns:a14="http://schemas.microsoft.com/office/drawing/2010/main" xmlns="" w="9525">
+                  <a14:hiddenLine xmlns="" xmlns:a14="http://schemas.microsoft.com/office/drawing/2010/main" w="9525">
                     <a:solidFill>
                       <a:srgbClr val="000000"/>
                     </a:solidFill>
@@ -10486,7 +10494,7 @@
               </a:ln>
               <a:extLst>
                 <a:ext uri="{91240B29-F687-4f45-9708-019B960494DF}">
-                  <a14:hiddenLine xmlns:a14="http://schemas.microsoft.com/office/drawing/2010/main" xmlns="" w="9525">
+                  <a14:hiddenLine xmlns="" xmlns:a14="http://schemas.microsoft.com/office/drawing/2010/main" w="9525">
                     <a:solidFill>
                       <a:srgbClr val="000000"/>
                     </a:solidFill>
@@ -10551,7 +10559,7 @@
               </a:ln>
               <a:extLst>
                 <a:ext uri="{91240B29-F687-4f45-9708-019B960494DF}">
-                  <a14:hiddenLine xmlns:a14="http://schemas.microsoft.com/office/drawing/2010/main" xmlns="" w="9525">
+                  <a14:hiddenLine xmlns="" xmlns:a14="http://schemas.microsoft.com/office/drawing/2010/main" w="9525">
                     <a:solidFill>
                       <a:srgbClr val="000000"/>
                     </a:solidFill>
@@ -10613,7 +10621,7 @@
               </a:ln>
               <a:extLst>
                 <a:ext uri="{91240B29-F687-4f45-9708-019B960494DF}">
-                  <a14:hiddenLine xmlns:a14="http://schemas.microsoft.com/office/drawing/2010/main" xmlns="" w="9525">
+                  <a14:hiddenLine xmlns="" xmlns:a14="http://schemas.microsoft.com/office/drawing/2010/main" w="9525">
                     <a:solidFill>
                       <a:srgbClr val="000000"/>
                     </a:solidFill>
@@ -10703,7 +10711,7 @@
               </a:ln>
               <a:extLst>
                 <a:ext uri="{91240B29-F687-4f45-9708-019B960494DF}">
-                  <a14:hiddenLine xmlns:a14="http://schemas.microsoft.com/office/drawing/2010/main" xmlns="" w="9525">
+                  <a14:hiddenLine xmlns="" xmlns:a14="http://schemas.microsoft.com/office/drawing/2010/main" w="9525">
                     <a:solidFill>
                       <a:srgbClr val="000000"/>
                     </a:solidFill>
@@ -10793,7 +10801,7 @@
               </a:ln>
               <a:extLst>
                 <a:ext uri="{91240B29-F687-4f45-9708-019B960494DF}">
-                  <a14:hiddenLine xmlns:a14="http://schemas.microsoft.com/office/drawing/2010/main" xmlns="" w="9525">
+                  <a14:hiddenLine xmlns="" xmlns:a14="http://schemas.microsoft.com/office/drawing/2010/main" w="9525">
                     <a:solidFill>
                       <a:srgbClr val="000000"/>
                     </a:solidFill>
@@ -10858,7 +10866,7 @@
               </a:ln>
               <a:extLst>
                 <a:ext uri="{91240B29-F687-4f45-9708-019B960494DF}">
-                  <a14:hiddenLine xmlns:a14="http://schemas.microsoft.com/office/drawing/2010/main" xmlns="" w="9525">
+                  <a14:hiddenLine xmlns="" xmlns:a14="http://schemas.microsoft.com/office/drawing/2010/main" w="9525">
                     <a:solidFill>
                       <a:srgbClr val="000000"/>
                     </a:solidFill>
@@ -10978,7 +10986,7 @@
               </a:ln>
               <a:extLst>
                 <a:ext uri="{91240B29-F687-4f45-9708-019B960494DF}">
-                  <a14:hiddenLine xmlns:a14="http://schemas.microsoft.com/office/drawing/2010/main" xmlns="" w="9525">
+                  <a14:hiddenLine xmlns="" xmlns:a14="http://schemas.microsoft.com/office/drawing/2010/main" w="9525">
                     <a:solidFill>
                       <a:srgbClr val="000000"/>
                     </a:solidFill>
@@ -11076,7 +11084,7 @@
               </a:ln>
               <a:extLst>
                 <a:ext uri="{91240B29-F687-4f45-9708-019B960494DF}">
-                  <a14:hiddenLine xmlns:a14="http://schemas.microsoft.com/office/drawing/2010/main" xmlns="" w="9525">
+                  <a14:hiddenLine xmlns="" xmlns:a14="http://schemas.microsoft.com/office/drawing/2010/main" w="9525">
                     <a:solidFill>
                       <a:srgbClr val="000000"/>
                     </a:solidFill>
@@ -11191,7 +11199,7 @@
               </a:ln>
               <a:extLst>
                 <a:ext uri="{91240B29-F687-4f45-9708-019B960494DF}">
-                  <a14:hiddenLine xmlns:a14="http://schemas.microsoft.com/office/drawing/2010/main" xmlns="" w="9525">
+                  <a14:hiddenLine xmlns="" xmlns:a14="http://schemas.microsoft.com/office/drawing/2010/main" w="9525">
                     <a:solidFill>
                       <a:srgbClr val="000000"/>
                     </a:solidFill>
@@ -11281,7 +11289,7 @@
               </a:ln>
               <a:extLst>
                 <a:ext uri="{91240B29-F687-4f45-9708-019B960494DF}">
-                  <a14:hiddenLine xmlns:a14="http://schemas.microsoft.com/office/drawing/2010/main" xmlns="" w="9525">
+                  <a14:hiddenLine xmlns="" xmlns:a14="http://schemas.microsoft.com/office/drawing/2010/main" w="9525">
                     <a:solidFill>
                       <a:srgbClr val="000000"/>
                     </a:solidFill>
@@ -11346,7 +11354,7 @@
               </a:ln>
               <a:extLst>
                 <a:ext uri="{91240B29-F687-4f45-9708-019B960494DF}">
-                  <a14:hiddenLine xmlns:a14="http://schemas.microsoft.com/office/drawing/2010/main" xmlns="" w="9525">
+                  <a14:hiddenLine xmlns="" xmlns:a14="http://schemas.microsoft.com/office/drawing/2010/main" w="9525">
                     <a:solidFill>
                       <a:srgbClr val="000000"/>
                     </a:solidFill>
@@ -11436,7 +11444,7 @@
               </a:ln>
               <a:extLst>
                 <a:ext uri="{91240B29-F687-4f45-9708-019B960494DF}">
-                  <a14:hiddenLine xmlns:a14="http://schemas.microsoft.com/office/drawing/2010/main" xmlns="" w="9525">
+                  <a14:hiddenLine xmlns="" xmlns:a14="http://schemas.microsoft.com/office/drawing/2010/main" w="9525">
                     <a:solidFill>
                       <a:srgbClr val="000000"/>
                     </a:solidFill>
@@ -11504,7 +11512,7 @@
               </a:ln>
               <a:extLst>
                 <a:ext uri="{91240B29-F687-4f45-9708-019B960494DF}">
-                  <a14:hiddenLine xmlns:a14="http://schemas.microsoft.com/office/drawing/2010/main" xmlns="" w="9525">
+                  <a14:hiddenLine xmlns="" xmlns:a14="http://schemas.microsoft.com/office/drawing/2010/main" w="9525">
                     <a:solidFill>
                       <a:srgbClr val="000000"/>
                     </a:solidFill>
@@ -11594,7 +11602,7 @@
               </a:ln>
               <a:extLst>
                 <a:ext uri="{91240B29-F687-4f45-9708-019B960494DF}">
-                  <a14:hiddenLine xmlns:a14="http://schemas.microsoft.com/office/drawing/2010/main" xmlns="" w="9525">
+                  <a14:hiddenLine xmlns="" xmlns:a14="http://schemas.microsoft.com/office/drawing/2010/main" w="9525">
                     <a:solidFill>
                       <a:srgbClr val="000000"/>
                     </a:solidFill>
@@ -11662,7 +11670,7 @@
               </a:ln>
               <a:extLst>
                 <a:ext uri="{91240B29-F687-4f45-9708-019B960494DF}">
-                  <a14:hiddenLine xmlns:a14="http://schemas.microsoft.com/office/drawing/2010/main" xmlns="" w="9525">
+                  <a14:hiddenLine xmlns="" xmlns:a14="http://schemas.microsoft.com/office/drawing/2010/main" w="9525">
                     <a:solidFill>
                       <a:srgbClr val="000000"/>
                     </a:solidFill>
@@ -11752,7 +11760,7 @@
               </a:ln>
               <a:extLst>
                 <a:ext uri="{91240B29-F687-4f45-9708-019B960494DF}">
-                  <a14:hiddenLine xmlns:a14="http://schemas.microsoft.com/office/drawing/2010/main" xmlns="" w="9525">
+                  <a14:hiddenLine xmlns="" xmlns:a14="http://schemas.microsoft.com/office/drawing/2010/main" w="9525">
                     <a:solidFill>
                       <a:srgbClr val="000000"/>
                     </a:solidFill>
@@ -11786,7 +11794,7 @@
               </a:ln>
               <a:extLst>
                 <a:ext uri="{91240B29-F687-4f45-9708-019B960494DF}">
-                  <a14:hiddenLine xmlns:a14="http://schemas.microsoft.com/office/drawing/2010/main" xmlns="" w="9525">
+                  <a14:hiddenLine xmlns="" xmlns:a14="http://schemas.microsoft.com/office/drawing/2010/main" w="9525">
                     <a:solidFill>
                       <a:srgbClr val="000000"/>
                     </a:solidFill>
@@ -11856,35 +11864,35 @@
           <a:p>
             <a:pPr lvl="0"/>
             <a:r>
-              <a:rPr lang="ru-RU" smtClean="0"/>
+              <a:rPr lang="ru-RU"/>
               <a:t>Образец текста</a:t>
             </a:r>
           </a:p>
           <a:p>
             <a:pPr lvl="1"/>
             <a:r>
-              <a:rPr lang="ru-RU" smtClean="0"/>
+              <a:rPr lang="ru-RU"/>
               <a:t>Второй уровень</a:t>
             </a:r>
           </a:p>
           <a:p>
             <a:pPr lvl="2"/>
             <a:r>
-              <a:rPr lang="ru-RU" smtClean="0"/>
+              <a:rPr lang="ru-RU"/>
               <a:t>Третий уровень</a:t>
             </a:r>
           </a:p>
           <a:p>
             <a:pPr lvl="3"/>
             <a:r>
-              <a:rPr lang="ru-RU" smtClean="0"/>
+              <a:rPr lang="ru-RU"/>
               <a:t>Четвертый уровень</a:t>
             </a:r>
           </a:p>
           <a:p>
             <a:pPr lvl="4"/>
             <a:r>
-              <a:rPr lang="ru-RU" smtClean="0"/>
+              <a:rPr lang="ru-RU"/>
               <a:t>Пятый уровень</a:t>
             </a:r>
             <a:endParaRPr lang="en-US" dirty="0"/>
@@ -11927,7 +11935,7 @@
             <a:fld id="{48A87A34-81AB-432B-8DAE-1953F412C126}" type="datetimeFigureOut">
               <a:rPr lang="en-US" dirty="0"/>
               <a:pPr/>
-              <a:t>7/2/2025</a:t>
+              <a:t>7/5/2025</a:t>
             </a:fld>
             <a:endParaRPr lang="en-US" dirty="0"/>
           </a:p>
@@ -12355,8 +12363,8 @@
         </p:nvSpPr>
         <p:spPr>
           <a:xfrm>
-            <a:off x="2796575" y="351655"/>
-            <a:ext cx="8791575" cy="2387600"/>
+            <a:off x="2796575" y="365767"/>
+            <a:ext cx="8791575" cy="1296246"/>
           </a:xfrm>
         </p:spPr>
         <p:txBody>
@@ -12365,22 +12373,12 @@
           </a:bodyPr>
           <a:lstStyle/>
           <a:p>
+            <a:pPr algn="ctr"/>
             <a:r>
-              <a:rPr lang="ru-RU" b="1" dirty="0" smtClean="0"/>
-              <a:t>Влияние метрополитена </a:t>
+              <a:rPr lang="ru-RU" sz="4000" b="1" dirty="0"/>
+              <a:t>Влияние метрополитена на любовь к шоколаду</a:t>
             </a:r>
-            <a:r>
-              <a:rPr lang="ru-RU" b="1" dirty="0"/>
-              <a:t>на любовь к </a:t>
-            </a:r>
-            <a:r>
-              <a:rPr lang="ru-RU" b="1" dirty="0" smtClean="0"/>
-              <a:t>шоколаду </a:t>
-            </a:r>
-            <a:br>
-              <a:rPr lang="ru-RU" b="1" dirty="0" smtClean="0"/>
-            </a:br>
-            <a:endParaRPr lang="en-US" dirty="0"/>
+            <a:endParaRPr lang="en-US" sz="4400" dirty="0"/>
           </a:p>
         </p:txBody>
       </p:sp>
@@ -12396,7 +12394,7 @@
         </p:nvSpPr>
         <p:spPr>
           <a:xfrm>
-            <a:off x="2796575" y="2099810"/>
+            <a:off x="2796574" y="1667080"/>
             <a:ext cx="8791575" cy="865459"/>
           </a:xfrm>
         </p:spPr>
@@ -12407,20 +12405,8 @@
           <a:lstStyle/>
           <a:p>
             <a:r>
-              <a:rPr lang="ru-RU" b="1" dirty="0"/>
-              <a:t>Исследовательский анализ </a:t>
-            </a:r>
-            <a:r>
-              <a:rPr lang="ru-RU" b="1" dirty="0"/>
-              <a:t>факторов потребления шоколада в городах с </a:t>
-            </a:r>
-            <a:r>
-              <a:rPr lang="ru-RU" b="1" dirty="0" smtClean="0"/>
-              <a:t>метро.</a:t>
-            </a:r>
-            <a:r>
-              <a:rPr lang="ru-RU" dirty="0"/>
-              <a:t/>
+              <a:rPr lang="ru-RU" sz="2400" b="1" dirty="0"/>
+              <a:t>Исследовательский анализ факторов потребления шоколада в городах с метро.</a:t>
             </a:r>
             <a:br>
               <a:rPr lang="ru-RU" dirty="0"/>
@@ -12452,8 +12438,8 @@
         </p:blipFill>
         <p:spPr bwMode="auto">
           <a:xfrm>
-            <a:off x="2587569" y="3705876"/>
-            <a:ext cx="2415505" cy="3019382"/>
+            <a:off x="3458577" y="2748904"/>
+            <a:ext cx="2085209" cy="2606512"/>
           </a:xfrm>
           <a:prstGeom prst="rect">
             <a:avLst/>
@@ -12493,8 +12479,8 @@
         </p:blipFill>
         <p:spPr bwMode="auto">
           <a:xfrm flipH="1">
-            <a:off x="9381649" y="3699406"/>
-            <a:ext cx="1510933" cy="3021865"/>
+            <a:off x="8771506" y="2748904"/>
+            <a:ext cx="1303256" cy="2606512"/>
           </a:xfrm>
           <a:prstGeom prst="rect">
             <a:avLst/>
@@ -12534,8 +12520,8 @@
         </p:blipFill>
         <p:spPr bwMode="auto">
           <a:xfrm>
-            <a:off x="6187230" y="3705876"/>
-            <a:ext cx="2010263" cy="3015395"/>
+            <a:off x="6288809" y="2748904"/>
+            <a:ext cx="1737674" cy="2606512"/>
           </a:xfrm>
           <a:prstGeom prst="rect">
             <a:avLst/>
@@ -12552,10 +12538,1128 @@
           </a:extLst>
         </p:spPr>
       </p:pic>
+      <p:sp>
+        <p:nvSpPr>
+          <p:cNvPr id="7" name="Подзаголовок 4">
+            <a:extLst>
+              <a:ext uri="{FF2B5EF4-FFF2-40B4-BE49-F238E27FC236}">
+                <a16:creationId xmlns:a16="http://schemas.microsoft.com/office/drawing/2014/main" id="{4EB438DF-7ADB-4491-B60B-B01A58F62E26}"/>
+              </a:ext>
+            </a:extLst>
+          </p:cNvPr>
+          <p:cNvSpPr txBox="1">
+            <a:spLocks/>
+          </p:cNvSpPr>
+          <p:nvPr/>
+        </p:nvSpPr>
+        <p:spPr>
+          <a:xfrm>
+            <a:off x="2796575" y="5571781"/>
+            <a:ext cx="8791575" cy="865459"/>
+          </a:xfrm>
+          <a:prstGeom prst="rect">
+            <a:avLst/>
+          </a:prstGeom>
+        </p:spPr>
+        <p:txBody>
+          <a:bodyPr vert="horz" lIns="91440" tIns="45720" rIns="91440" bIns="45720" rtlCol="0">
+            <a:noAutofit/>
+          </a:bodyPr>
+          <a:lstStyle>
+            <a:lvl1pPr marL="0" indent="0" algn="l" defTabSz="914400" rtl="0" eaLnBrk="1" latinLnBrk="0" hangingPunct="1">
+              <a:lnSpc>
+                <a:spcPct val="120000"/>
+              </a:lnSpc>
+              <a:spcBef>
+                <a:spcPts val="1000"/>
+              </a:spcBef>
+              <a:buSzPct val="125000"/>
+              <a:buFont typeface="Arial" panose="020B0604020202020204" pitchFamily="34" charset="0"/>
+              <a:buNone/>
+              <a:defRPr sz="2000" kern="1200" cap="all" baseline="0">
+                <a:solidFill>
+                  <a:schemeClr val="tx2"/>
+                </a:solidFill>
+                <a:latin typeface="+mn-lt"/>
+                <a:ea typeface="+mn-ea"/>
+                <a:cs typeface="+mn-cs"/>
+              </a:defRPr>
+            </a:lvl1pPr>
+            <a:lvl2pPr marL="457200" indent="0" algn="ctr" defTabSz="914400" rtl="0" eaLnBrk="1" latinLnBrk="0" hangingPunct="1">
+              <a:lnSpc>
+                <a:spcPct val="120000"/>
+              </a:lnSpc>
+              <a:spcBef>
+                <a:spcPts val="500"/>
+              </a:spcBef>
+              <a:buSzPct val="125000"/>
+              <a:buFont typeface="Arial" panose="020B0604020202020204" pitchFamily="34" charset="0"/>
+              <a:buNone/>
+              <a:defRPr sz="2000" kern="1200">
+                <a:solidFill>
+                  <a:schemeClr val="tx1"/>
+                </a:solidFill>
+                <a:latin typeface="+mn-lt"/>
+                <a:ea typeface="+mn-ea"/>
+                <a:cs typeface="+mn-cs"/>
+              </a:defRPr>
+            </a:lvl2pPr>
+            <a:lvl3pPr marL="914400" indent="0" algn="ctr" defTabSz="914400" rtl="0" eaLnBrk="1" latinLnBrk="0" hangingPunct="1">
+              <a:lnSpc>
+                <a:spcPct val="120000"/>
+              </a:lnSpc>
+              <a:spcBef>
+                <a:spcPts val="500"/>
+              </a:spcBef>
+              <a:buSzPct val="125000"/>
+              <a:buFont typeface="Arial" panose="020B0604020202020204" pitchFamily="34" charset="0"/>
+              <a:buNone/>
+              <a:defRPr sz="1800" kern="1200">
+                <a:solidFill>
+                  <a:schemeClr val="tx1"/>
+                </a:solidFill>
+                <a:latin typeface="+mn-lt"/>
+                <a:ea typeface="+mn-ea"/>
+                <a:cs typeface="+mn-cs"/>
+              </a:defRPr>
+            </a:lvl3pPr>
+            <a:lvl4pPr marL="1371600" indent="0" algn="ctr" defTabSz="914400" rtl="0" eaLnBrk="1" latinLnBrk="0" hangingPunct="1">
+              <a:lnSpc>
+                <a:spcPct val="120000"/>
+              </a:lnSpc>
+              <a:spcBef>
+                <a:spcPts val="500"/>
+              </a:spcBef>
+              <a:buSzPct val="125000"/>
+              <a:buFont typeface="Arial" panose="020B0604020202020204" pitchFamily="34" charset="0"/>
+              <a:buNone/>
+              <a:defRPr sz="1600" kern="1200">
+                <a:solidFill>
+                  <a:schemeClr val="tx1"/>
+                </a:solidFill>
+                <a:latin typeface="+mn-lt"/>
+                <a:ea typeface="+mn-ea"/>
+                <a:cs typeface="+mn-cs"/>
+              </a:defRPr>
+            </a:lvl4pPr>
+            <a:lvl5pPr marL="1828800" indent="0" algn="ctr" defTabSz="914400" rtl="0" eaLnBrk="1" latinLnBrk="0" hangingPunct="1">
+              <a:lnSpc>
+                <a:spcPct val="120000"/>
+              </a:lnSpc>
+              <a:spcBef>
+                <a:spcPts val="500"/>
+              </a:spcBef>
+              <a:buSzPct val="125000"/>
+              <a:buFont typeface="Arial" panose="020B0604020202020204" pitchFamily="34" charset="0"/>
+              <a:buNone/>
+              <a:defRPr sz="1600" kern="1200">
+                <a:solidFill>
+                  <a:schemeClr val="tx1"/>
+                </a:solidFill>
+                <a:latin typeface="+mn-lt"/>
+                <a:ea typeface="+mn-ea"/>
+                <a:cs typeface="+mn-cs"/>
+              </a:defRPr>
+            </a:lvl5pPr>
+            <a:lvl6pPr marL="2286000" indent="0" algn="ctr" defTabSz="914400" rtl="0" eaLnBrk="1" latinLnBrk="0" hangingPunct="1">
+              <a:lnSpc>
+                <a:spcPct val="120000"/>
+              </a:lnSpc>
+              <a:spcBef>
+                <a:spcPts val="500"/>
+              </a:spcBef>
+              <a:buSzPct val="125000"/>
+              <a:buFont typeface="Arial" panose="020B0604020202020204" pitchFamily="34" charset="0"/>
+              <a:buNone/>
+              <a:defRPr sz="1600" kern="1200">
+                <a:solidFill>
+                  <a:schemeClr val="tx1"/>
+                </a:solidFill>
+                <a:latin typeface="+mn-lt"/>
+                <a:ea typeface="+mn-ea"/>
+                <a:cs typeface="+mn-cs"/>
+              </a:defRPr>
+            </a:lvl6pPr>
+            <a:lvl7pPr marL="2743200" indent="0" algn="ctr" defTabSz="914400" rtl="0" eaLnBrk="1" latinLnBrk="0" hangingPunct="1">
+              <a:lnSpc>
+                <a:spcPct val="120000"/>
+              </a:lnSpc>
+              <a:spcBef>
+                <a:spcPts val="500"/>
+              </a:spcBef>
+              <a:buSzPct val="125000"/>
+              <a:buFont typeface="Arial" panose="020B0604020202020204" pitchFamily="34" charset="0"/>
+              <a:buNone/>
+              <a:defRPr sz="1600" kern="1200">
+                <a:solidFill>
+                  <a:schemeClr val="tx1"/>
+                </a:solidFill>
+                <a:latin typeface="+mn-lt"/>
+                <a:ea typeface="+mn-ea"/>
+                <a:cs typeface="+mn-cs"/>
+              </a:defRPr>
+            </a:lvl7pPr>
+            <a:lvl8pPr marL="3200400" indent="0" algn="ctr" defTabSz="914400" rtl="0" eaLnBrk="1" latinLnBrk="0" hangingPunct="1">
+              <a:lnSpc>
+                <a:spcPct val="120000"/>
+              </a:lnSpc>
+              <a:spcBef>
+                <a:spcPts val="500"/>
+              </a:spcBef>
+              <a:buSzPct val="125000"/>
+              <a:buFont typeface="Arial" panose="020B0604020202020204" pitchFamily="34" charset="0"/>
+              <a:buNone/>
+              <a:defRPr sz="1600" kern="1200">
+                <a:solidFill>
+                  <a:schemeClr val="tx1"/>
+                </a:solidFill>
+                <a:latin typeface="+mn-lt"/>
+                <a:ea typeface="+mn-ea"/>
+                <a:cs typeface="+mn-cs"/>
+              </a:defRPr>
+            </a:lvl8pPr>
+            <a:lvl9pPr marL="3657600" indent="0" algn="ctr" defTabSz="914400" rtl="0" eaLnBrk="1" latinLnBrk="0" hangingPunct="1">
+              <a:lnSpc>
+                <a:spcPct val="120000"/>
+              </a:lnSpc>
+              <a:spcBef>
+                <a:spcPts val="500"/>
+              </a:spcBef>
+              <a:buSzPct val="125000"/>
+              <a:buFont typeface="Arial" panose="020B0604020202020204" pitchFamily="34" charset="0"/>
+              <a:buNone/>
+              <a:defRPr sz="1600" kern="1200">
+                <a:solidFill>
+                  <a:schemeClr val="tx1"/>
+                </a:solidFill>
+                <a:latin typeface="+mn-lt"/>
+                <a:ea typeface="+mn-ea"/>
+                <a:cs typeface="+mn-cs"/>
+              </a:defRPr>
+            </a:lvl9pPr>
+          </a:lstStyle>
+          <a:p>
+            <a:pPr algn="r"/>
+            <a:r>
+              <a:rPr lang="ru-RU" sz="2400" b="1" dirty="0">
+                <a:solidFill>
+                  <a:schemeClr val="tx1"/>
+                </a:solidFill>
+              </a:rPr>
+              <a:t>Каштанов </a:t>
+            </a:r>
+            <a:r>
+              <a:rPr lang="ru-RU" sz="2400" b="1" dirty="0" err="1">
+                <a:solidFill>
+                  <a:schemeClr val="tx1"/>
+                </a:solidFill>
+              </a:rPr>
+              <a:t>павел</a:t>
+            </a:r>
+            <a:endParaRPr lang="ru-RU" sz="2400" b="1" dirty="0">
+              <a:solidFill>
+                <a:schemeClr val="tx1"/>
+              </a:solidFill>
+            </a:endParaRPr>
+          </a:p>
+          <a:p>
+            <a:pPr algn="r"/>
+            <a:r>
+              <a:rPr lang="ru-RU" sz="2400" b="1" dirty="0">
+                <a:solidFill>
+                  <a:schemeClr val="tx1"/>
+                </a:solidFill>
+              </a:rPr>
+              <a:t>ПРЕЗЕНТАЦИЯ ИДЕИ ПРОЕКТА</a:t>
+            </a:r>
+          </a:p>
+          <a:p>
+            <a:pPr algn="r"/>
+            <a:br>
+              <a:rPr lang="ru-RU" dirty="0"/>
+            </a:br>
+            <a:endParaRPr lang="en-US" dirty="0"/>
+          </a:p>
+        </p:txBody>
+      </p:sp>
     </p:spTree>
     <p:extLst>
       <p:ext uri="{BB962C8B-B14F-4D97-AF65-F5344CB8AC3E}">
         <p14:creationId xmlns:p14="http://schemas.microsoft.com/office/powerpoint/2010/main" val="411661564"/>
+      </p:ext>
+    </p:extLst>
+  </p:cSld>
+  <p:clrMapOvr>
+    <a:masterClrMapping/>
+  </p:clrMapOvr>
+</p:sld>
+</file>
+
+<file path=ppt/slides/slide2.xml><?xml version="1.0" encoding="utf-8"?>
+<p:sld xmlns:a="http://schemas.openxmlformats.org/drawingml/2006/main" xmlns:r="http://schemas.openxmlformats.org/officeDocument/2006/relationships" xmlns:p="http://schemas.openxmlformats.org/presentationml/2006/main">
+  <p:cSld>
+    <p:spTree>
+      <p:nvGrpSpPr>
+        <p:cNvPr id="1" name=""/>
+        <p:cNvGrpSpPr/>
+        <p:nvPr/>
+      </p:nvGrpSpPr>
+      <p:grpSpPr>
+        <a:xfrm>
+          <a:off x="0" y="0"/>
+          <a:ext cx="0" cy="0"/>
+          <a:chOff x="0" y="0"/>
+          <a:chExt cx="0" cy="0"/>
+        </a:xfrm>
+      </p:grpSpPr>
+      <p:sp>
+        <p:nvSpPr>
+          <p:cNvPr id="3" name="Объект 2">
+            <a:extLst>
+              <a:ext uri="{FF2B5EF4-FFF2-40B4-BE49-F238E27FC236}">
+                <a16:creationId xmlns:a16="http://schemas.microsoft.com/office/drawing/2014/main" id="{08A1F298-09AA-472D-A5E1-5D18F2D9D1A2}"/>
+              </a:ext>
+            </a:extLst>
+          </p:cNvPr>
+          <p:cNvSpPr>
+            <a:spLocks noGrp="1"/>
+          </p:cNvSpPr>
+          <p:nvPr>
+            <p:ph idx="1"/>
+          </p:nvPr>
+        </p:nvSpPr>
+        <p:spPr>
+          <a:xfrm>
+            <a:off x="1343891" y="221672"/>
+            <a:ext cx="9703520" cy="6331527"/>
+          </a:xfrm>
+        </p:spPr>
+        <p:txBody>
+          <a:bodyPr>
+            <a:noAutofit/>
+          </a:bodyPr>
+          <a:lstStyle/>
+          <a:p>
+            <a:pPr>
+              <a:lnSpc>
+                <a:spcPct val="125000"/>
+              </a:lnSpc>
+              <a:buFont typeface="Wingdings" panose="05000000000000000000" pitchFamily="2" charset="2"/>
+              <a:buChar char="Ø"/>
+            </a:pPr>
+            <a:r>
+              <a:rPr lang="ru-RU" sz="2800" dirty="0">
+                <a:solidFill>
+                  <a:schemeClr val="tx2"/>
+                </a:solidFill>
+              </a:rPr>
+              <a:t> Задача:</a:t>
+            </a:r>
+          </a:p>
+          <a:p>
+            <a:pPr marL="0" indent="0">
+              <a:lnSpc>
+                <a:spcPct val="125000"/>
+              </a:lnSpc>
+              <a:spcBef>
+                <a:spcPts val="0"/>
+              </a:spcBef>
+              <a:buNone/>
+            </a:pPr>
+            <a:r>
+              <a:rPr lang="ru-RU" sz="2200" dirty="0"/>
+              <a:t>Сравнить среднее потребление шоколада в странах с метрополитеном и без него. Оценить влияние дополнительных факторов (ВВП, пассажиропоток метро) на потребление шоколада. Проверить статистическую значимость выявленных закономерностей.</a:t>
+            </a:r>
+          </a:p>
+          <a:p>
+            <a:pPr>
+              <a:lnSpc>
+                <a:spcPct val="125000"/>
+              </a:lnSpc>
+              <a:spcBef>
+                <a:spcPts val="0"/>
+              </a:spcBef>
+              <a:buFont typeface="Wingdings" panose="05000000000000000000" pitchFamily="2" charset="2"/>
+              <a:buChar char="Ø"/>
+            </a:pPr>
+            <a:r>
+              <a:rPr lang="ru-RU" sz="2800" dirty="0">
+                <a:solidFill>
+                  <a:schemeClr val="tx2"/>
+                </a:solidFill>
+              </a:rPr>
+              <a:t> Цель исследования:</a:t>
+            </a:r>
+          </a:p>
+          <a:p>
+            <a:pPr marL="0" indent="0">
+              <a:lnSpc>
+                <a:spcPct val="125000"/>
+              </a:lnSpc>
+              <a:spcBef>
+                <a:spcPts val="0"/>
+              </a:spcBef>
+              <a:buNone/>
+            </a:pPr>
+            <a:r>
+              <a:rPr lang="ru-RU" sz="2200" dirty="0"/>
+              <a:t>Определить, существует ли статистически значимая зависимость между наличием и развитостью метрополитена в стране и уровнем потребления шоколада населением.</a:t>
+            </a:r>
+          </a:p>
+          <a:p>
+            <a:pPr>
+              <a:lnSpc>
+                <a:spcPct val="125000"/>
+              </a:lnSpc>
+              <a:spcBef>
+                <a:spcPts val="0"/>
+              </a:spcBef>
+              <a:buFont typeface="Wingdings" panose="05000000000000000000" pitchFamily="2" charset="2"/>
+              <a:buChar char="Ø"/>
+            </a:pPr>
+            <a:r>
+              <a:rPr lang="ru-RU" sz="2800" dirty="0">
+                <a:solidFill>
+                  <a:schemeClr val="tx2"/>
+                </a:solidFill>
+              </a:rPr>
+              <a:t> Данные:</a:t>
+            </a:r>
+          </a:p>
+          <a:p>
+            <a:pPr marL="457200" indent="-457200">
+              <a:lnSpc>
+                <a:spcPct val="125000"/>
+              </a:lnSpc>
+              <a:spcBef>
+                <a:spcPts val="0"/>
+              </a:spcBef>
+              <a:buAutoNum type="arabicPeriod"/>
+            </a:pPr>
+            <a:r>
+              <a:rPr lang="ru-RU" sz="2200" dirty="0"/>
+              <a:t>Набор данных, охватывающий объемы импорта и экспорта товаров в странах мира.</a:t>
+            </a:r>
+          </a:p>
+          <a:p>
+            <a:pPr marL="457200" indent="-457200">
+              <a:lnSpc>
+                <a:spcPct val="125000"/>
+              </a:lnSpc>
+              <a:spcBef>
+                <a:spcPts val="0"/>
+              </a:spcBef>
+              <a:buAutoNum type="arabicPeriod"/>
+            </a:pPr>
+            <a:r>
+              <a:rPr lang="ru-RU" sz="2200" dirty="0"/>
+              <a:t>Набор данных о метрополитенах в разных странах.</a:t>
+            </a:r>
+          </a:p>
+          <a:p>
+            <a:pPr marL="457200" indent="-457200">
+              <a:lnSpc>
+                <a:spcPct val="125000"/>
+              </a:lnSpc>
+              <a:spcBef>
+                <a:spcPts val="0"/>
+              </a:spcBef>
+              <a:buAutoNum type="arabicPeriod"/>
+            </a:pPr>
+            <a:r>
+              <a:rPr lang="ru-RU" sz="2200" dirty="0"/>
+              <a:t>Набор данных о населении, ВВП стран мира.</a:t>
+            </a:r>
+          </a:p>
+        </p:txBody>
+      </p:sp>
+    </p:spTree>
+    <p:extLst>
+      <p:ext uri="{BB962C8B-B14F-4D97-AF65-F5344CB8AC3E}">
+        <p14:creationId xmlns:p14="http://schemas.microsoft.com/office/powerpoint/2010/main" val="2758535366"/>
+      </p:ext>
+    </p:extLst>
+  </p:cSld>
+  <p:clrMapOvr>
+    <a:masterClrMapping/>
+  </p:clrMapOvr>
+</p:sld>
+</file>
+
+<file path=ppt/slides/slide3.xml><?xml version="1.0" encoding="utf-8"?>
+<p:sld xmlns:a="http://schemas.openxmlformats.org/drawingml/2006/main" xmlns:r="http://schemas.openxmlformats.org/officeDocument/2006/relationships" xmlns:p="http://schemas.openxmlformats.org/presentationml/2006/main">
+  <p:cSld>
+    <p:spTree>
+      <p:nvGrpSpPr>
+        <p:cNvPr id="1" name=""/>
+        <p:cNvGrpSpPr/>
+        <p:nvPr/>
+      </p:nvGrpSpPr>
+      <p:grpSpPr>
+        <a:xfrm>
+          <a:off x="0" y="0"/>
+          <a:ext cx="0" cy="0"/>
+          <a:chOff x="0" y="0"/>
+          <a:chExt cx="0" cy="0"/>
+        </a:xfrm>
+      </p:grpSpPr>
+      <p:sp>
+        <p:nvSpPr>
+          <p:cNvPr id="3" name="Объект 2">
+            <a:extLst>
+              <a:ext uri="{FF2B5EF4-FFF2-40B4-BE49-F238E27FC236}">
+                <a16:creationId xmlns:a16="http://schemas.microsoft.com/office/drawing/2014/main" id="{08A1F298-09AA-472D-A5E1-5D18F2D9D1A2}"/>
+              </a:ext>
+            </a:extLst>
+          </p:cNvPr>
+          <p:cNvSpPr>
+            <a:spLocks noGrp="1"/>
+          </p:cNvSpPr>
+          <p:nvPr>
+            <p:ph idx="1"/>
+          </p:nvPr>
+        </p:nvSpPr>
+        <p:spPr>
+          <a:xfrm>
+            <a:off x="1246909" y="221672"/>
+            <a:ext cx="9800502" cy="6179127"/>
+          </a:xfrm>
+        </p:spPr>
+        <p:txBody>
+          <a:bodyPr>
+            <a:noAutofit/>
+          </a:bodyPr>
+          <a:lstStyle/>
+          <a:p>
+            <a:pPr>
+              <a:lnSpc>
+                <a:spcPct val="130000"/>
+              </a:lnSpc>
+              <a:buFont typeface="Wingdings" panose="05000000000000000000" pitchFamily="2" charset="2"/>
+              <a:buChar char="Ø"/>
+            </a:pPr>
+            <a:r>
+              <a:rPr lang="ru-RU" sz="2800" dirty="0">
+                <a:solidFill>
+                  <a:schemeClr val="tx2"/>
+                </a:solidFill>
+              </a:rPr>
+              <a:t> Инструменты</a:t>
+            </a:r>
+          </a:p>
+          <a:p>
+            <a:pPr marL="457200" indent="-457200">
+              <a:lnSpc>
+                <a:spcPct val="130000"/>
+              </a:lnSpc>
+              <a:spcBef>
+                <a:spcPts val="0"/>
+              </a:spcBef>
+              <a:buFont typeface="+mj-lt"/>
+              <a:buAutoNum type="arabicPeriod"/>
+            </a:pPr>
+            <a:r>
+              <a:rPr lang="en-US" sz="2200" dirty="0"/>
+              <a:t>SQL (MySQL)</a:t>
+            </a:r>
+            <a:endParaRPr lang="ru-RU" sz="2200" dirty="0"/>
+          </a:p>
+          <a:p>
+            <a:pPr marL="457200" indent="-457200">
+              <a:lnSpc>
+                <a:spcPct val="130000"/>
+              </a:lnSpc>
+              <a:spcBef>
+                <a:spcPts val="0"/>
+              </a:spcBef>
+              <a:buFont typeface="+mj-lt"/>
+              <a:buAutoNum type="arabicPeriod"/>
+            </a:pPr>
+            <a:r>
+              <a:rPr lang="en-US" sz="2200" dirty="0" err="1"/>
+              <a:t>Jupyter</a:t>
+            </a:r>
+            <a:r>
+              <a:rPr lang="en-US" sz="2200" dirty="0"/>
+              <a:t> Notebook</a:t>
+            </a:r>
+            <a:endParaRPr lang="ru-RU" sz="2200" dirty="0"/>
+          </a:p>
+          <a:p>
+            <a:pPr marL="457200" indent="-457200">
+              <a:lnSpc>
+                <a:spcPct val="130000"/>
+              </a:lnSpc>
+              <a:spcBef>
+                <a:spcPts val="0"/>
+              </a:spcBef>
+              <a:buFont typeface="+mj-lt"/>
+              <a:buAutoNum type="arabicPeriod"/>
+            </a:pPr>
+            <a:r>
+              <a:rPr lang="en-US" sz="2200" dirty="0"/>
+              <a:t>Python (Pandas, SciPy, </a:t>
+            </a:r>
+            <a:r>
+              <a:rPr lang="en-US" sz="2200" dirty="0" err="1"/>
+              <a:t>StatsModels</a:t>
+            </a:r>
+            <a:r>
+              <a:rPr lang="ru-RU" sz="2200" dirty="0"/>
+              <a:t>,</a:t>
+            </a:r>
+            <a:r>
+              <a:rPr lang="en-US" sz="2200" dirty="0"/>
+              <a:t> NumPy</a:t>
+            </a:r>
+            <a:r>
+              <a:rPr lang="ru-RU" sz="2200" dirty="0"/>
+              <a:t>, </a:t>
+            </a:r>
+            <a:r>
+              <a:rPr lang="en-US" sz="2200" dirty="0"/>
+              <a:t>Matplotlib, Seaborn)</a:t>
+            </a:r>
+          </a:p>
+          <a:p>
+            <a:pPr marL="457200" indent="-457200">
+              <a:lnSpc>
+                <a:spcPct val="130000"/>
+              </a:lnSpc>
+              <a:spcBef>
+                <a:spcPts val="0"/>
+              </a:spcBef>
+              <a:buFont typeface="+mj-lt"/>
+              <a:buAutoNum type="arabicPeriod"/>
+            </a:pPr>
+            <a:r>
+              <a:rPr lang="en-US" sz="2200" dirty="0"/>
+              <a:t>Power BI</a:t>
+            </a:r>
+            <a:endParaRPr lang="ru-RU" sz="2200" dirty="0"/>
+          </a:p>
+          <a:p>
+            <a:pPr marL="457200" indent="-457200">
+              <a:lnSpc>
+                <a:spcPct val="130000"/>
+              </a:lnSpc>
+              <a:spcBef>
+                <a:spcPts val="0"/>
+              </a:spcBef>
+              <a:buFont typeface="+mj-lt"/>
+              <a:buAutoNum type="arabicPeriod"/>
+            </a:pPr>
+            <a:r>
+              <a:rPr lang="en-US" sz="2200" dirty="0"/>
+              <a:t>Microsoft Excel</a:t>
+            </a:r>
+            <a:endParaRPr lang="ru-RU" sz="2200" dirty="0"/>
+          </a:p>
+          <a:p>
+            <a:pPr marL="457200" indent="-457200">
+              <a:lnSpc>
+                <a:spcPct val="130000"/>
+              </a:lnSpc>
+              <a:spcBef>
+                <a:spcPts val="0"/>
+              </a:spcBef>
+              <a:buFont typeface="+mj-lt"/>
+              <a:buAutoNum type="arabicPeriod"/>
+            </a:pPr>
+            <a:r>
+              <a:rPr lang="en-US" sz="2200" dirty="0"/>
+              <a:t>Microsoft PowerPoint</a:t>
+            </a:r>
+          </a:p>
+          <a:p>
+            <a:pPr>
+              <a:lnSpc>
+                <a:spcPct val="130000"/>
+              </a:lnSpc>
+              <a:spcBef>
+                <a:spcPts val="0"/>
+              </a:spcBef>
+              <a:buFont typeface="Wingdings" panose="05000000000000000000" pitchFamily="2" charset="2"/>
+              <a:buChar char="Ø"/>
+            </a:pPr>
+            <a:r>
+              <a:rPr lang="ru-RU" sz="2800" dirty="0">
+                <a:solidFill>
+                  <a:schemeClr val="tx2"/>
+                </a:solidFill>
+              </a:rPr>
+              <a:t> Методы исследования:</a:t>
+            </a:r>
+          </a:p>
+          <a:p>
+            <a:pPr marL="457200" indent="-457200">
+              <a:lnSpc>
+                <a:spcPct val="130000"/>
+              </a:lnSpc>
+              <a:spcBef>
+                <a:spcPts val="0"/>
+              </a:spcBef>
+              <a:buAutoNum type="arabicPeriod"/>
+            </a:pPr>
+            <a:r>
+              <a:rPr lang="ru-RU" sz="2200" dirty="0"/>
+              <a:t>Описательная статистика</a:t>
+            </a:r>
+          </a:p>
+          <a:p>
+            <a:pPr marL="457200" indent="-457200">
+              <a:lnSpc>
+                <a:spcPct val="130000"/>
+              </a:lnSpc>
+              <a:spcBef>
+                <a:spcPts val="0"/>
+              </a:spcBef>
+              <a:buAutoNum type="arabicPeriod"/>
+            </a:pPr>
+            <a:r>
+              <a:rPr lang="ru-RU" sz="2200" dirty="0"/>
+              <a:t>Визуализация</a:t>
+            </a:r>
+          </a:p>
+          <a:p>
+            <a:pPr marL="457200" indent="-457200">
+              <a:lnSpc>
+                <a:spcPct val="130000"/>
+              </a:lnSpc>
+              <a:spcBef>
+                <a:spcPts val="0"/>
+              </a:spcBef>
+              <a:buAutoNum type="arabicPeriod"/>
+            </a:pPr>
+            <a:r>
+              <a:rPr lang="ru-RU" sz="2200" dirty="0"/>
+              <a:t>Проверка гипотез</a:t>
+            </a:r>
+          </a:p>
+          <a:p>
+            <a:pPr marL="457200" indent="-457200">
+              <a:lnSpc>
+                <a:spcPct val="130000"/>
+              </a:lnSpc>
+              <a:spcBef>
+                <a:spcPts val="0"/>
+              </a:spcBef>
+              <a:buAutoNum type="arabicPeriod"/>
+            </a:pPr>
+            <a:r>
+              <a:rPr lang="ru-RU" sz="2200" dirty="0"/>
+              <a:t>Анализ зависимостей (корреляционный, регрессионный)</a:t>
+            </a:r>
+          </a:p>
+          <a:p>
+            <a:pPr marL="457200" indent="-457200">
+              <a:lnSpc>
+                <a:spcPct val="130000"/>
+              </a:lnSpc>
+              <a:spcBef>
+                <a:spcPts val="0"/>
+              </a:spcBef>
+              <a:buAutoNum type="arabicPeriod"/>
+            </a:pPr>
+            <a:r>
+              <a:rPr lang="ru-RU" sz="2200" dirty="0"/>
+              <a:t>Объединение, группировка</a:t>
+            </a:r>
+          </a:p>
+        </p:txBody>
+      </p:sp>
+    </p:spTree>
+    <p:extLst>
+      <p:ext uri="{BB962C8B-B14F-4D97-AF65-F5344CB8AC3E}">
+        <p14:creationId xmlns:p14="http://schemas.microsoft.com/office/powerpoint/2010/main" val="3145284883"/>
+      </p:ext>
+    </p:extLst>
+  </p:cSld>
+  <p:clrMapOvr>
+    <a:masterClrMapping/>
+  </p:clrMapOvr>
+</p:sld>
+</file>
+
+<file path=ppt/slides/slide4.xml><?xml version="1.0" encoding="utf-8"?>
+<p:sld xmlns:a="http://schemas.openxmlformats.org/drawingml/2006/main" xmlns:r="http://schemas.openxmlformats.org/officeDocument/2006/relationships" xmlns:p="http://schemas.openxmlformats.org/presentationml/2006/main">
+  <p:cSld>
+    <p:spTree>
+      <p:nvGrpSpPr>
+        <p:cNvPr id="1" name=""/>
+        <p:cNvGrpSpPr/>
+        <p:nvPr/>
+      </p:nvGrpSpPr>
+      <p:grpSpPr>
+        <a:xfrm>
+          <a:off x="0" y="0"/>
+          <a:ext cx="0" cy="0"/>
+          <a:chOff x="0" y="0"/>
+          <a:chExt cx="0" cy="0"/>
+        </a:xfrm>
+      </p:grpSpPr>
+      <p:graphicFrame>
+        <p:nvGraphicFramePr>
+          <p:cNvPr id="2" name="Таблица 3">
+            <a:extLst>
+              <a:ext uri="{FF2B5EF4-FFF2-40B4-BE49-F238E27FC236}">
+                <a16:creationId xmlns:a16="http://schemas.microsoft.com/office/drawing/2014/main" id="{E8E1E7B8-0152-4F94-93E8-DEF0306811A0}"/>
+              </a:ext>
+            </a:extLst>
+          </p:cNvPr>
+          <p:cNvGraphicFramePr>
+            <a:graphicFrameLocks noGrp="1"/>
+          </p:cNvGraphicFramePr>
+          <p:nvPr>
+            <p:ph idx="1"/>
+            <p:extLst>
+              <p:ext uri="{D42A27DB-BD31-4B8C-83A1-F6EECF244321}">
+                <p14:modId xmlns:p14="http://schemas.microsoft.com/office/powerpoint/2010/main" val="1676744301"/>
+              </p:ext>
+            </p:extLst>
+          </p:nvPr>
+        </p:nvGraphicFramePr>
+        <p:xfrm>
+          <a:off x="1141413" y="457200"/>
+          <a:ext cx="9906000" cy="4759008"/>
+        </p:xfrm>
+        <a:graphic>
+          <a:graphicData uri="http://schemas.openxmlformats.org/drawingml/2006/table">
+            <a:tbl>
+              <a:tblPr firstRow="1" bandRow="1">
+                <a:tableStyleId>{7DF18680-E054-41AD-8BC1-D1AEF772440D}</a:tableStyleId>
+              </a:tblPr>
+              <a:tblGrid>
+                <a:gridCol w="3302000">
+                  <a:extLst>
+                    <a:ext uri="{9D8B030D-6E8A-4147-A177-3AD203B41FA5}">
+                      <a16:colId xmlns:a16="http://schemas.microsoft.com/office/drawing/2014/main" val="3685039003"/>
+                    </a:ext>
+                  </a:extLst>
+                </a:gridCol>
+                <a:gridCol w="3302000">
+                  <a:extLst>
+                    <a:ext uri="{9D8B030D-6E8A-4147-A177-3AD203B41FA5}">
+                      <a16:colId xmlns:a16="http://schemas.microsoft.com/office/drawing/2014/main" val="2068767057"/>
+                    </a:ext>
+                  </a:extLst>
+                </a:gridCol>
+                <a:gridCol w="3302000">
+                  <a:extLst>
+                    <a:ext uri="{9D8B030D-6E8A-4147-A177-3AD203B41FA5}">
+                      <a16:colId xmlns:a16="http://schemas.microsoft.com/office/drawing/2014/main" val="962145613"/>
+                    </a:ext>
+                  </a:extLst>
+                </a:gridCol>
+              </a:tblGrid>
+              <a:tr h="594876">
+                <a:tc>
+                  <a:txBody>
+                    <a:bodyPr/>
+                    <a:lstStyle/>
+                    <a:p>
+                      <a:r>
+                        <a:rPr lang="ru-RU"/>
+                        <a:t>Задачи</a:t>
+                      </a:r>
+                      <a:endParaRPr lang="ru-RU" dirty="0"/>
+                    </a:p>
+                  </a:txBody>
+                  <a:tcPr/>
+                </a:tc>
+                <a:tc>
+                  <a:txBody>
+                    <a:bodyPr/>
+                    <a:lstStyle/>
+                    <a:p>
+                      <a:endParaRPr lang="ru-RU"/>
+                    </a:p>
+                  </a:txBody>
+                  <a:tcPr/>
+                </a:tc>
+                <a:tc>
+                  <a:txBody>
+                    <a:bodyPr/>
+                    <a:lstStyle/>
+                    <a:p>
+                      <a:endParaRPr lang="ru-RU"/>
+                    </a:p>
+                  </a:txBody>
+                  <a:tcPr/>
+                </a:tc>
+                <a:extLst>
+                  <a:ext uri="{0D108BD9-81ED-4DB2-BD59-A6C34878D82A}">
+                    <a16:rowId xmlns:a16="http://schemas.microsoft.com/office/drawing/2014/main" val="2283085102"/>
+                  </a:ext>
+                </a:extLst>
+              </a:tr>
+              <a:tr h="594876">
+                <a:tc>
+                  <a:txBody>
+                    <a:bodyPr/>
+                    <a:lstStyle/>
+                    <a:p>
+                      <a:endParaRPr lang="ru-RU"/>
+                    </a:p>
+                  </a:txBody>
+                  <a:tcPr/>
+                </a:tc>
+                <a:tc>
+                  <a:txBody>
+                    <a:bodyPr/>
+                    <a:lstStyle/>
+                    <a:p>
+                      <a:endParaRPr lang="ru-RU"/>
+                    </a:p>
+                  </a:txBody>
+                  <a:tcPr/>
+                </a:tc>
+                <a:tc>
+                  <a:txBody>
+                    <a:bodyPr/>
+                    <a:lstStyle/>
+                    <a:p>
+                      <a:endParaRPr lang="ru-RU"/>
+                    </a:p>
+                  </a:txBody>
+                  <a:tcPr/>
+                </a:tc>
+                <a:extLst>
+                  <a:ext uri="{0D108BD9-81ED-4DB2-BD59-A6C34878D82A}">
+                    <a16:rowId xmlns:a16="http://schemas.microsoft.com/office/drawing/2014/main" val="2466577347"/>
+                  </a:ext>
+                </a:extLst>
+              </a:tr>
+              <a:tr h="594876">
+                <a:tc>
+                  <a:txBody>
+                    <a:bodyPr/>
+                    <a:lstStyle/>
+                    <a:p>
+                      <a:endParaRPr lang="ru-RU"/>
+                    </a:p>
+                  </a:txBody>
+                  <a:tcPr/>
+                </a:tc>
+                <a:tc>
+                  <a:txBody>
+                    <a:bodyPr/>
+                    <a:lstStyle/>
+                    <a:p>
+                      <a:endParaRPr lang="ru-RU"/>
+                    </a:p>
+                  </a:txBody>
+                  <a:tcPr/>
+                </a:tc>
+                <a:tc>
+                  <a:txBody>
+                    <a:bodyPr/>
+                    <a:lstStyle/>
+                    <a:p>
+                      <a:endParaRPr lang="ru-RU"/>
+                    </a:p>
+                  </a:txBody>
+                  <a:tcPr/>
+                </a:tc>
+                <a:extLst>
+                  <a:ext uri="{0D108BD9-81ED-4DB2-BD59-A6C34878D82A}">
+                    <a16:rowId xmlns:a16="http://schemas.microsoft.com/office/drawing/2014/main" val="409568958"/>
+                  </a:ext>
+                </a:extLst>
+              </a:tr>
+              <a:tr h="594876">
+                <a:tc>
+                  <a:txBody>
+                    <a:bodyPr/>
+                    <a:lstStyle/>
+                    <a:p>
+                      <a:endParaRPr lang="ru-RU"/>
+                    </a:p>
+                  </a:txBody>
+                  <a:tcPr/>
+                </a:tc>
+                <a:tc>
+                  <a:txBody>
+                    <a:bodyPr/>
+                    <a:lstStyle/>
+                    <a:p>
+                      <a:endParaRPr lang="ru-RU"/>
+                    </a:p>
+                  </a:txBody>
+                  <a:tcPr/>
+                </a:tc>
+                <a:tc>
+                  <a:txBody>
+                    <a:bodyPr/>
+                    <a:lstStyle/>
+                    <a:p>
+                      <a:endParaRPr lang="ru-RU"/>
+                    </a:p>
+                  </a:txBody>
+                  <a:tcPr/>
+                </a:tc>
+                <a:extLst>
+                  <a:ext uri="{0D108BD9-81ED-4DB2-BD59-A6C34878D82A}">
+                    <a16:rowId xmlns:a16="http://schemas.microsoft.com/office/drawing/2014/main" val="792980783"/>
+                  </a:ext>
+                </a:extLst>
+              </a:tr>
+              <a:tr h="594876">
+                <a:tc>
+                  <a:txBody>
+                    <a:bodyPr/>
+                    <a:lstStyle/>
+                    <a:p>
+                      <a:endParaRPr lang="ru-RU"/>
+                    </a:p>
+                  </a:txBody>
+                  <a:tcPr/>
+                </a:tc>
+                <a:tc>
+                  <a:txBody>
+                    <a:bodyPr/>
+                    <a:lstStyle/>
+                    <a:p>
+                      <a:endParaRPr lang="ru-RU"/>
+                    </a:p>
+                  </a:txBody>
+                  <a:tcPr/>
+                </a:tc>
+                <a:tc>
+                  <a:txBody>
+                    <a:bodyPr/>
+                    <a:lstStyle/>
+                    <a:p>
+                      <a:endParaRPr lang="ru-RU"/>
+                    </a:p>
+                  </a:txBody>
+                  <a:tcPr/>
+                </a:tc>
+                <a:extLst>
+                  <a:ext uri="{0D108BD9-81ED-4DB2-BD59-A6C34878D82A}">
+                    <a16:rowId xmlns:a16="http://schemas.microsoft.com/office/drawing/2014/main" val="3707085026"/>
+                  </a:ext>
+                </a:extLst>
+              </a:tr>
+              <a:tr h="594876">
+                <a:tc>
+                  <a:txBody>
+                    <a:bodyPr/>
+                    <a:lstStyle/>
+                    <a:p>
+                      <a:endParaRPr lang="ru-RU"/>
+                    </a:p>
+                  </a:txBody>
+                  <a:tcPr/>
+                </a:tc>
+                <a:tc>
+                  <a:txBody>
+                    <a:bodyPr/>
+                    <a:lstStyle/>
+                    <a:p>
+                      <a:endParaRPr lang="ru-RU"/>
+                    </a:p>
+                  </a:txBody>
+                  <a:tcPr/>
+                </a:tc>
+                <a:tc>
+                  <a:txBody>
+                    <a:bodyPr/>
+                    <a:lstStyle/>
+                    <a:p>
+                      <a:endParaRPr lang="ru-RU"/>
+                    </a:p>
+                  </a:txBody>
+                  <a:tcPr/>
+                </a:tc>
+                <a:extLst>
+                  <a:ext uri="{0D108BD9-81ED-4DB2-BD59-A6C34878D82A}">
+                    <a16:rowId xmlns:a16="http://schemas.microsoft.com/office/drawing/2014/main" val="1658486364"/>
+                  </a:ext>
+                </a:extLst>
+              </a:tr>
+              <a:tr h="594876">
+                <a:tc>
+                  <a:txBody>
+                    <a:bodyPr/>
+                    <a:lstStyle/>
+                    <a:p>
+                      <a:endParaRPr lang="ru-RU"/>
+                    </a:p>
+                  </a:txBody>
+                  <a:tcPr/>
+                </a:tc>
+                <a:tc>
+                  <a:txBody>
+                    <a:bodyPr/>
+                    <a:lstStyle/>
+                    <a:p>
+                      <a:endParaRPr lang="ru-RU"/>
+                    </a:p>
+                  </a:txBody>
+                  <a:tcPr/>
+                </a:tc>
+                <a:tc>
+                  <a:txBody>
+                    <a:bodyPr/>
+                    <a:lstStyle/>
+                    <a:p>
+                      <a:endParaRPr lang="ru-RU"/>
+                    </a:p>
+                  </a:txBody>
+                  <a:tcPr/>
+                </a:tc>
+                <a:extLst>
+                  <a:ext uri="{0D108BD9-81ED-4DB2-BD59-A6C34878D82A}">
+                    <a16:rowId xmlns:a16="http://schemas.microsoft.com/office/drawing/2014/main" val="668342112"/>
+                  </a:ext>
+                </a:extLst>
+              </a:tr>
+              <a:tr h="594876">
+                <a:tc>
+                  <a:txBody>
+                    <a:bodyPr/>
+                    <a:lstStyle/>
+                    <a:p>
+                      <a:endParaRPr lang="ru-RU"/>
+                    </a:p>
+                  </a:txBody>
+                  <a:tcPr/>
+                </a:tc>
+                <a:tc>
+                  <a:txBody>
+                    <a:bodyPr/>
+                    <a:lstStyle/>
+                    <a:p>
+                      <a:endParaRPr lang="ru-RU"/>
+                    </a:p>
+                  </a:txBody>
+                  <a:tcPr/>
+                </a:tc>
+                <a:tc>
+                  <a:txBody>
+                    <a:bodyPr/>
+                    <a:lstStyle/>
+                    <a:p>
+                      <a:endParaRPr lang="ru-RU" dirty="0"/>
+                    </a:p>
+                  </a:txBody>
+                  <a:tcPr/>
+                </a:tc>
+                <a:extLst>
+                  <a:ext uri="{0D108BD9-81ED-4DB2-BD59-A6C34878D82A}">
+                    <a16:rowId xmlns:a16="http://schemas.microsoft.com/office/drawing/2014/main" val="939738363"/>
+                  </a:ext>
+                </a:extLst>
+              </a:tr>
+            </a:tbl>
+          </a:graphicData>
+        </a:graphic>
+      </p:graphicFrame>
+    </p:spTree>
+    <p:extLst>
+      <p:ext uri="{BB962C8B-B14F-4D97-AF65-F5344CB8AC3E}">
+        <p14:creationId xmlns:p14="http://schemas.microsoft.com/office/powerpoint/2010/main" val="747326398"/>
       </p:ext>
     </p:extLst>
   </p:cSld>
